--- a/Apuntes/Ejercicio ISO27001.pptx
+++ b/Apuntes/Ejercicio ISO27001.pptx
@@ -8,10 +8,9 @@
     <p:sldId id="256" r:id="rId2"/>
     <p:sldId id="603" r:id="rId3"/>
     <p:sldId id="601" r:id="rId4"/>
-    <p:sldId id="604" r:id="rId5"/>
-    <p:sldId id="605" r:id="rId6"/>
-    <p:sldId id="606" r:id="rId7"/>
-    <p:sldId id="607" r:id="rId8"/>
+    <p:sldId id="605" r:id="rId5"/>
+    <p:sldId id="606" r:id="rId6"/>
+    <p:sldId id="607" r:id="rId7"/>
   </p:sldIdLst>
   <p:sldSz cx="12192000" cy="6858000"/>
   <p:notesSz cx="6858000" cy="9144000"/>
@@ -110,6 +109,11 @@
       </a:defRPr>
     </a:lvl9pPr>
   </p:defaultTextStyle>
+  <p:extLst>
+    <p:ext uri="{EFAFB233-063F-42B5-8137-9DF3F51BA10A}">
+      <p15:sldGuideLst xmlns:p15="http://schemas.microsoft.com/office/powerpoint/2012/main"/>
+    </p:ext>
+  </p:extLst>
 </p:presentation>
 </file>
 
@@ -5676,7 +5680,7 @@
         </p:nvSpPr>
         <p:spPr>
           <a:xfrm>
-            <a:off x="5989675" y="1483489"/>
+            <a:off x="5468679" y="1513173"/>
             <a:ext cx="6096000" cy="4513159"/>
           </a:xfrm>
           <a:prstGeom prst="rect">
@@ -6812,7 +6816,7 @@
         </p:nvSpPr>
         <p:spPr>
           <a:xfrm>
-            <a:off x="5923387" y="6398936"/>
+            <a:off x="6076697" y="6398936"/>
             <a:ext cx="5938836" cy="309201"/>
           </a:xfrm>
         </p:spPr>
@@ -7298,8 +7302,12 @@
               <a:buChar char="•"/>
             </a:pPr>
             <a:r>
+              <a:rPr lang="es-ES" sz="1600" b="1" dirty="0"/>
+              <a:t>La Fase de planificación: </a:t>
+            </a:r>
+            <a:r>
               <a:rPr lang="es-ES" sz="1600" dirty="0"/>
-              <a:t>La Fase de planificación: esta fase sirve para planificar la organización básica y establecer los objetivos de la seguridad de la información y para escoger los controles adecuados de seguridad (la norma contiene un catálogo de 133 posibles controles).</a:t>
+              <a:t>esta fase sirve para planificar la organización básica y establecer los objetivos de la seguridad de la información y para escoger los controles adecuados de seguridad (la norma contiene un catálogo de 133 posibles controles).</a:t>
             </a:r>
           </a:p>
           <a:p>
@@ -7311,8 +7319,12 @@
               <a:buChar char="•"/>
             </a:pPr>
             <a:r>
+              <a:rPr lang="es-ES" sz="1600" b="1" dirty="0"/>
+              <a:t>La Fase de implementación: </a:t>
+            </a:r>
+            <a:r>
               <a:rPr lang="es-ES" sz="1600" dirty="0"/>
-              <a:t>La Fase de implementación: esta fase implica la realización de todo lo planificado en la fase anterior.</a:t>
+              <a:t>esta fase implica la realización de todo lo planificado en la fase anterior.</a:t>
             </a:r>
           </a:p>
           <a:p>
@@ -7324,8 +7336,12 @@
               <a:buChar char="•"/>
             </a:pPr>
             <a:r>
+              <a:rPr lang="es-ES" sz="1600" b="1" dirty="0"/>
+              <a:t>La Fase de revisión</a:t>
+            </a:r>
+            <a:r>
               <a:rPr lang="es-ES" sz="1600" dirty="0"/>
-              <a:t>La Fase de revisión: el objetivo de esta fase es monitorear el funcionamiento del SGSI mediante diversos "canales" y verificar si los resultados cumplen los objetivos establecidos.</a:t>
+              <a:t>: el objetivo de esta fase es monitorear el funcionamiento del SGSI mediante diversos "canales" y verificar si los resultados cumplen los objetivos establecidos.</a:t>
             </a:r>
           </a:p>
           <a:p>
@@ -7337,8 +7353,12 @@
               <a:buChar char="•"/>
             </a:pPr>
             <a:r>
+              <a:rPr lang="es-ES" sz="1600" b="1" dirty="0"/>
+              <a:t>La Fase de mantenimiento y mejora: </a:t>
+            </a:r>
+            <a:r>
               <a:rPr lang="es-ES" sz="1600" dirty="0"/>
-              <a:t>La Fase de mantenimiento y mejora: el objetivo de esta fase es mejorar todos los incumplimientos detectados en la fase anterior.</a:t>
+              <a:t>el objetivo de esta fase es mejorar todos los incumplimientos detectados en la fase anterior.</a:t>
             </a:r>
           </a:p>
           <a:p>
@@ -7359,7 +7379,7 @@
     </p:spTree>
     <p:extLst>
       <p:ext uri="{BB962C8B-B14F-4D97-AF65-F5344CB8AC3E}">
-        <p14:creationId xmlns:p14="http://schemas.microsoft.com/office/powerpoint/2010/main" val="2303994418"/>
+        <p14:creationId xmlns:p14="http://schemas.microsoft.com/office/powerpoint/2010/main" val="3141497052"/>
       </p:ext>
     </p:extLst>
   </p:cSld>
@@ -7646,7 +7666,7 @@
         </p:nvSpPr>
         <p:spPr>
           <a:xfrm>
-            <a:off x="6076697" y="6398936"/>
+            <a:off x="6096000" y="6373029"/>
             <a:ext cx="5938836" cy="309201"/>
           </a:xfrm>
         </p:spPr>
@@ -7923,7 +7943,7 @@
         </p:nvSpPr>
         <p:spPr>
           <a:xfrm>
-            <a:off x="1896583" y="824063"/>
+            <a:off x="1896583" y="737451"/>
             <a:ext cx="6996222" cy="369332"/>
           </a:xfrm>
           <a:prstGeom prst="rect">
@@ -7946,130 +7966,35 @@
               </a:tabLst>
             </a:pPr>
             <a:r>
-              <a:rPr lang="es-ES" sz="1800" b="1" u="sng" dirty="0">
-                <a:effectLst/>
-                <a:uFill>
-                  <a:solidFill>
-                    <a:srgbClr val="000000"/>
-                  </a:solidFill>
-                </a:uFill>
-                <a:latin typeface="Arial" panose="020B0604020202020204" pitchFamily="34" charset="0"/>
-                <a:ea typeface="Segoe UI Symbol" panose="020B0502040204020203" pitchFamily="34" charset="0"/>
-                <a:cs typeface="Segoe UI Symbol" panose="020B0502040204020203" pitchFamily="34" charset="0"/>
-              </a:rPr>
-              <a:t>Fases</a:t>
-            </a:r>
-            <a:r>
-              <a:rPr lang="es-ES" sz="1800" b="1" u="sng" spc="-10" dirty="0">
-                <a:effectLst/>
-                <a:uFill>
-                  <a:solidFill>
-                    <a:srgbClr val="000000"/>
-                  </a:solidFill>
-                </a:uFill>
-                <a:latin typeface="Arial" panose="020B0604020202020204" pitchFamily="34" charset="0"/>
-                <a:ea typeface="Segoe UI Symbol" panose="020B0502040204020203" pitchFamily="34" charset="0"/>
-                <a:cs typeface="Segoe UI Symbol" panose="020B0502040204020203" pitchFamily="34" charset="0"/>
-              </a:rPr>
-              <a:t> </a:t>
-            </a:r>
-            <a:r>
-              <a:rPr lang="es-ES" sz="1800" b="1" u="sng" dirty="0">
-                <a:effectLst/>
-                <a:uFill>
-                  <a:solidFill>
-                    <a:srgbClr val="000000"/>
-                  </a:solidFill>
-                </a:uFill>
-                <a:latin typeface="Arial" panose="020B0604020202020204" pitchFamily="34" charset="0"/>
-                <a:ea typeface="Segoe UI Symbol" panose="020B0502040204020203" pitchFamily="34" charset="0"/>
-                <a:cs typeface="Segoe UI Symbol" panose="020B0502040204020203" pitchFamily="34" charset="0"/>
-              </a:rPr>
-              <a:t>del</a:t>
-            </a:r>
-            <a:r>
-              <a:rPr lang="es-ES" sz="1800" b="1" u="sng" spc="-10" dirty="0">
-                <a:effectLst/>
-                <a:uFill>
-                  <a:solidFill>
-                    <a:srgbClr val="000000"/>
-                  </a:solidFill>
-                </a:uFill>
-                <a:latin typeface="Arial" panose="020B0604020202020204" pitchFamily="34" charset="0"/>
-                <a:ea typeface="Segoe UI Symbol" panose="020B0502040204020203" pitchFamily="34" charset="0"/>
-                <a:cs typeface="Segoe UI Symbol" panose="020B0502040204020203" pitchFamily="34" charset="0"/>
-              </a:rPr>
-              <a:t> </a:t>
-            </a:r>
-            <a:r>
-              <a:rPr lang="es-ES" sz="1800" b="1" u="sng" dirty="0">
-                <a:effectLst/>
-                <a:uFill>
-                  <a:solidFill>
-                    <a:srgbClr val="000000"/>
-                  </a:solidFill>
-                </a:uFill>
-                <a:latin typeface="Arial" panose="020B0604020202020204" pitchFamily="34" charset="0"/>
-                <a:ea typeface="Segoe UI Symbol" panose="020B0502040204020203" pitchFamily="34" charset="0"/>
-                <a:cs typeface="Segoe UI Symbol" panose="020B0502040204020203" pitchFamily="34" charset="0"/>
-              </a:rPr>
-              <a:t>sistema</a:t>
-            </a:r>
-            <a:r>
-              <a:rPr lang="es-ES" sz="1800" b="1" u="sng" spc="5" dirty="0">
-                <a:effectLst/>
-                <a:uFill>
-                  <a:solidFill>
-                    <a:srgbClr val="000000"/>
-                  </a:solidFill>
-                </a:uFill>
-                <a:latin typeface="Arial" panose="020B0604020202020204" pitchFamily="34" charset="0"/>
-                <a:ea typeface="Segoe UI Symbol" panose="020B0502040204020203" pitchFamily="34" charset="0"/>
-                <a:cs typeface="Segoe UI Symbol" panose="020B0502040204020203" pitchFamily="34" charset="0"/>
-              </a:rPr>
-              <a:t> </a:t>
-            </a:r>
-            <a:r>
-              <a:rPr lang="es-ES" sz="1800" b="1" u="sng" dirty="0">
-                <a:effectLst/>
-                <a:uFill>
-                  <a:solidFill>
-                    <a:srgbClr val="000000"/>
-                  </a:solidFill>
-                </a:uFill>
-                <a:latin typeface="Arial" panose="020B0604020202020204" pitchFamily="34" charset="0"/>
-                <a:ea typeface="Segoe UI Symbol" panose="020B0502040204020203" pitchFamily="34" charset="0"/>
-                <a:cs typeface="Segoe UI Symbol" panose="020B0502040204020203" pitchFamily="34" charset="0"/>
-              </a:rPr>
-              <a:t>de</a:t>
-            </a:r>
-            <a:r>
-              <a:rPr lang="es-ES" sz="1800" b="1" u="sng" spc="-5" dirty="0">
-                <a:effectLst/>
-                <a:uFill>
-                  <a:solidFill>
-                    <a:srgbClr val="000000"/>
-                  </a:solidFill>
-                </a:uFill>
-                <a:latin typeface="Arial" panose="020B0604020202020204" pitchFamily="34" charset="0"/>
-                <a:ea typeface="Segoe UI Symbol" panose="020B0502040204020203" pitchFamily="34" charset="0"/>
-                <a:cs typeface="Segoe UI Symbol" panose="020B0502040204020203" pitchFamily="34" charset="0"/>
-              </a:rPr>
-              <a:t> </a:t>
-            </a:r>
-            <a:r>
-              <a:rPr lang="es-ES" sz="1800" b="1" u="sng" dirty="0">
-                <a:effectLst/>
-                <a:uFill>
-                  <a:solidFill>
-                    <a:srgbClr val="000000"/>
-                  </a:solidFill>
-                </a:uFill>
-                <a:latin typeface="Arial" panose="020B0604020202020204" pitchFamily="34" charset="0"/>
-                <a:ea typeface="Segoe UI Symbol" panose="020B0502040204020203" pitchFamily="34" charset="0"/>
-                <a:cs typeface="Segoe UI Symbol" panose="020B0502040204020203" pitchFamily="34" charset="0"/>
-              </a:rPr>
-              <a:t>gestión</a:t>
+              <a:rPr lang="es-ES" b="1" dirty="0">
+                <a:latin typeface="Calibri" panose="020F0502020204030204" pitchFamily="34" charset="0"/>
+                <a:ea typeface="Calibri" panose="020F0502020204030204" pitchFamily="34" charset="0"/>
+              </a:rPr>
+              <a:t>P</a:t>
+            </a:r>
+            <a:r>
+              <a:rPr lang="es-ES" sz="1800" b="1" dirty="0">
+                <a:effectLst/>
+                <a:latin typeface="Calibri" panose="020F0502020204030204" pitchFamily="34" charset="0"/>
+                <a:ea typeface="Calibri" panose="020F0502020204030204" pitchFamily="34" charset="0"/>
+              </a:rPr>
+              <a:t>lan</a:t>
+            </a:r>
+            <a:r>
+              <a:rPr lang="es-ES" sz="1800" b="1" spc="-10" dirty="0">
+                <a:effectLst/>
+                <a:latin typeface="Calibri" panose="020F0502020204030204" pitchFamily="34" charset="0"/>
+                <a:ea typeface="Calibri" panose="020F0502020204030204" pitchFamily="34" charset="0"/>
+              </a:rPr>
+              <a:t> </a:t>
+            </a:r>
+            <a:r>
+              <a:rPr lang="es-ES" sz="1800" b="1" dirty="0">
+                <a:effectLst/>
+                <a:latin typeface="Calibri" panose="020F0502020204030204" pitchFamily="34" charset="0"/>
+                <a:ea typeface="Calibri" panose="020F0502020204030204" pitchFamily="34" charset="0"/>
+              </a:rPr>
+              <a:t>director.</a:t>
             </a:r>
             <a:endParaRPr lang="en-US" sz="1800" b="1" u="sng" dirty="0">
               <a:effectLst/>
@@ -8087,10 +8012,10 @@
       </p:sp>
       <p:sp>
         <p:nvSpPr>
-          <p:cNvPr id="29" name="TextBox 28">
+          <p:cNvPr id="12" name="TextBox 11">
             <a:extLst>
               <a:ext uri="{FF2B5EF4-FFF2-40B4-BE49-F238E27FC236}">
-                <a16:creationId xmlns:a16="http://schemas.microsoft.com/office/drawing/2014/main" id="{6E79C693-F02E-4445-A772-51A7E5C91745}"/>
+                <a16:creationId xmlns:a16="http://schemas.microsoft.com/office/drawing/2014/main" id="{D09101C4-40EC-4A2F-AE9C-84A4C1F4AF3B}"/>
               </a:ext>
             </a:extLst>
           </p:cNvPr>
@@ -8099,8 +8024,8 @@
         </p:nvSpPr>
         <p:spPr>
           <a:xfrm>
-            <a:off x="1058383" y="1265380"/>
-            <a:ext cx="10675088" cy="5216172"/>
+            <a:off x="687390" y="1375502"/>
+            <a:ext cx="10997792" cy="3867918"/>
           </a:xfrm>
           <a:prstGeom prst="rect">
             <a:avLst/>
@@ -8113,103 +8038,874 @@
           </a:bodyPr>
           <a:lstStyle/>
           <a:p>
-            <a:pPr>
+            <a:pPr marL="446088" marR="883920" algn="just">
               <a:lnSpc>
-                <a:spcPct val="150000"/>
+                <a:spcPct val="107000"/>
               </a:lnSpc>
+              <a:spcBef>
+                <a:spcPts val="925"/>
+              </a:spcBef>
+              <a:spcAft>
+                <a:spcPts val="0"/>
+              </a:spcAft>
             </a:pPr>
             <a:r>
-              <a:rPr lang="es-ES" sz="1600" dirty="0"/>
-              <a:t>La norma ISO 27001 determina cómo gestionar la seguridad de la información a través de un sistema de gestión de seguridad de la información esta? formado por cuatro fases que se deben implementar en forma constante para reducir al mínimo los riesgos sobre confidencialidad, integridad y disponibilidad de la información. Las fases son las siguientes:</a:t>
-            </a:r>
-          </a:p>
-          <a:p>
-            <a:pPr marL="285750" indent="-285750">
+              <a:rPr lang="es-ES" dirty="0">
+                <a:effectLst/>
+                <a:ea typeface="Arial" panose="020B0604020202020204" pitchFamily="34" charset="0"/>
+              </a:rPr>
+              <a:t>Mediante la definición de un plan director de seguridad se pretende</a:t>
+            </a:r>
+            <a:r>
+              <a:rPr lang="es-ES" spc="5" dirty="0">
+                <a:effectLst/>
+                <a:ea typeface="Arial" panose="020B0604020202020204" pitchFamily="34" charset="0"/>
+              </a:rPr>
+              <a:t> </a:t>
+            </a:r>
+            <a:r>
+              <a:rPr lang="es-ES" dirty="0">
+                <a:effectLst/>
+                <a:ea typeface="Arial" panose="020B0604020202020204" pitchFamily="34" charset="0"/>
+              </a:rPr>
+              <a:t>conseguir</a:t>
+            </a:r>
+            <a:r>
+              <a:rPr lang="es-ES" spc="-35" dirty="0">
+                <a:effectLst/>
+                <a:ea typeface="Arial" panose="020B0604020202020204" pitchFamily="34" charset="0"/>
+              </a:rPr>
+              <a:t> </a:t>
+            </a:r>
+            <a:r>
+              <a:rPr lang="es-ES" dirty="0">
+                <a:effectLst/>
+                <a:ea typeface="Arial" panose="020B0604020202020204" pitchFamily="34" charset="0"/>
+              </a:rPr>
+              <a:t>el</a:t>
+            </a:r>
+            <a:r>
+              <a:rPr lang="es-ES" spc="-50" dirty="0">
+                <a:effectLst/>
+                <a:ea typeface="Arial" panose="020B0604020202020204" pitchFamily="34" charset="0"/>
+              </a:rPr>
+              <a:t> </a:t>
+            </a:r>
+            <a:r>
+              <a:rPr lang="es-ES" dirty="0">
+                <a:effectLst/>
+                <a:ea typeface="Arial" panose="020B0604020202020204" pitchFamily="34" charset="0"/>
+              </a:rPr>
+              <a:t>alineamiento</a:t>
+            </a:r>
+            <a:r>
+              <a:rPr lang="es-ES" spc="-40" dirty="0">
+                <a:effectLst/>
+                <a:ea typeface="Arial" panose="020B0604020202020204" pitchFamily="34" charset="0"/>
+              </a:rPr>
+              <a:t> </a:t>
+            </a:r>
+            <a:r>
+              <a:rPr lang="es-ES" dirty="0">
+                <a:effectLst/>
+                <a:ea typeface="Arial" panose="020B0604020202020204" pitchFamily="34" charset="0"/>
+              </a:rPr>
+              <a:t>necesario</a:t>
+            </a:r>
+            <a:r>
+              <a:rPr lang="es-ES" spc="-40" dirty="0">
+                <a:effectLst/>
+                <a:ea typeface="Arial" panose="020B0604020202020204" pitchFamily="34" charset="0"/>
+              </a:rPr>
+              <a:t> </a:t>
+            </a:r>
+            <a:r>
+              <a:rPr lang="es-ES" dirty="0">
+                <a:effectLst/>
+                <a:ea typeface="Arial" panose="020B0604020202020204" pitchFamily="34" charset="0"/>
+              </a:rPr>
+              <a:t>para</a:t>
+            </a:r>
+            <a:r>
+              <a:rPr lang="es-ES" spc="-60" dirty="0">
+                <a:effectLst/>
+                <a:ea typeface="Arial" panose="020B0604020202020204" pitchFamily="34" charset="0"/>
+              </a:rPr>
+              <a:t> </a:t>
+            </a:r>
+            <a:r>
+              <a:rPr lang="es-ES" dirty="0">
+                <a:effectLst/>
+                <a:ea typeface="Arial" panose="020B0604020202020204" pitchFamily="34" charset="0"/>
+              </a:rPr>
+              <a:t>mantener</a:t>
+            </a:r>
+            <a:r>
+              <a:rPr lang="es-ES" spc="-30" dirty="0">
+                <a:effectLst/>
+                <a:ea typeface="Arial" panose="020B0604020202020204" pitchFamily="34" charset="0"/>
+              </a:rPr>
+              <a:t> </a:t>
+            </a:r>
+            <a:r>
+              <a:rPr lang="es-ES" dirty="0">
+                <a:effectLst/>
+                <a:ea typeface="Arial" panose="020B0604020202020204" pitchFamily="34" charset="0"/>
+              </a:rPr>
+              <a:t>un</a:t>
+            </a:r>
+            <a:r>
+              <a:rPr lang="es-ES" spc="-55" dirty="0">
+                <a:effectLst/>
+                <a:ea typeface="Arial" panose="020B0604020202020204" pitchFamily="34" charset="0"/>
+              </a:rPr>
+              <a:t> </a:t>
+            </a:r>
+            <a:r>
+              <a:rPr lang="es-ES" dirty="0">
+                <a:effectLst/>
+                <a:ea typeface="Arial" panose="020B0604020202020204" pitchFamily="34" charset="0"/>
+              </a:rPr>
+              <a:t>buen</a:t>
+            </a:r>
+            <a:r>
+              <a:rPr lang="es-ES" spc="-50" dirty="0">
+                <a:effectLst/>
+                <a:ea typeface="Arial" panose="020B0604020202020204" pitchFamily="34" charset="0"/>
+              </a:rPr>
+              <a:t> </a:t>
+            </a:r>
+            <a:r>
+              <a:rPr lang="es-ES" dirty="0">
+                <a:effectLst/>
+                <a:ea typeface="Arial" panose="020B0604020202020204" pitchFamily="34" charset="0"/>
+              </a:rPr>
+              <a:t>nivel</a:t>
+            </a:r>
+            <a:r>
+              <a:rPr lang="es-ES" spc="-45" dirty="0">
+                <a:effectLst/>
+                <a:ea typeface="Arial" panose="020B0604020202020204" pitchFamily="34" charset="0"/>
+              </a:rPr>
+              <a:t> </a:t>
+            </a:r>
+            <a:r>
+              <a:rPr lang="es-ES" dirty="0">
+                <a:effectLst/>
+                <a:ea typeface="Arial" panose="020B0604020202020204" pitchFamily="34" charset="0"/>
+              </a:rPr>
+              <a:t>de</a:t>
+            </a:r>
+            <a:r>
+              <a:rPr lang="es-ES" spc="-50" dirty="0">
+                <a:effectLst/>
+                <a:ea typeface="Arial" panose="020B0604020202020204" pitchFamily="34" charset="0"/>
+              </a:rPr>
+              <a:t> </a:t>
+            </a:r>
+            <a:r>
+              <a:rPr lang="es-ES" dirty="0">
+                <a:effectLst/>
+                <a:ea typeface="Arial" panose="020B0604020202020204" pitchFamily="34" charset="0"/>
+              </a:rPr>
+              <a:t>seguridad</a:t>
+            </a:r>
+            <a:r>
+              <a:rPr lang="es-ES" spc="-295" dirty="0">
+                <a:effectLst/>
+                <a:ea typeface="Arial" panose="020B0604020202020204" pitchFamily="34" charset="0"/>
+              </a:rPr>
+              <a:t> </a:t>
+            </a:r>
+            <a:r>
+              <a:rPr lang="es-ES" dirty="0">
+                <a:effectLst/>
+                <a:ea typeface="Arial" panose="020B0604020202020204" pitchFamily="34" charset="0"/>
+              </a:rPr>
+              <a:t>tanto en el edificio principal como en el edificio secundario, consiguiendo de</a:t>
+            </a:r>
+            <a:r>
+              <a:rPr lang="es-ES" spc="5" dirty="0">
+                <a:effectLst/>
+                <a:ea typeface="Arial" panose="020B0604020202020204" pitchFamily="34" charset="0"/>
+              </a:rPr>
+              <a:t> </a:t>
+            </a:r>
+            <a:r>
+              <a:rPr lang="es-ES" dirty="0">
+                <a:effectLst/>
+                <a:ea typeface="Arial" panose="020B0604020202020204" pitchFamily="34" charset="0"/>
+              </a:rPr>
+              <a:t>esta manera que para el cliente sea transparente el emplazamiento desde el</a:t>
+            </a:r>
+            <a:r>
+              <a:rPr lang="es-ES" spc="5" dirty="0">
+                <a:effectLst/>
+                <a:ea typeface="Arial" panose="020B0604020202020204" pitchFamily="34" charset="0"/>
+              </a:rPr>
+              <a:t> </a:t>
+            </a:r>
+            <a:r>
+              <a:rPr lang="es-ES" dirty="0">
+                <a:effectLst/>
+                <a:ea typeface="Arial" panose="020B0604020202020204" pitchFamily="34" charset="0"/>
+              </a:rPr>
+              <a:t>que</a:t>
+            </a:r>
+            <a:r>
+              <a:rPr lang="es-ES" spc="-15" dirty="0">
+                <a:effectLst/>
+                <a:ea typeface="Arial" panose="020B0604020202020204" pitchFamily="34" charset="0"/>
+              </a:rPr>
+              <a:t> </a:t>
+            </a:r>
+            <a:r>
+              <a:rPr lang="es-ES" dirty="0">
+                <a:effectLst/>
+                <a:ea typeface="Arial" panose="020B0604020202020204" pitchFamily="34" charset="0"/>
+              </a:rPr>
+              <a:t>se proporciona</a:t>
+            </a:r>
+            <a:r>
+              <a:rPr lang="es-ES" spc="-5" dirty="0">
+                <a:effectLst/>
+                <a:ea typeface="Arial" panose="020B0604020202020204" pitchFamily="34" charset="0"/>
+              </a:rPr>
+              <a:t> </a:t>
+            </a:r>
+            <a:r>
+              <a:rPr lang="es-ES" dirty="0">
+                <a:effectLst/>
+                <a:ea typeface="Arial" panose="020B0604020202020204" pitchFamily="34" charset="0"/>
+              </a:rPr>
+              <a:t>el servicio.</a:t>
+            </a:r>
+            <a:endParaRPr lang="en-US" dirty="0">
+              <a:effectLst/>
+              <a:ea typeface="Arial" panose="020B0604020202020204" pitchFamily="34" charset="0"/>
+            </a:endParaRPr>
+          </a:p>
+          <a:p>
+            <a:pPr marL="446088">
+              <a:spcBef>
+                <a:spcPts val="790"/>
+              </a:spcBef>
+              <a:spcAft>
+                <a:spcPts val="0"/>
+              </a:spcAft>
+            </a:pPr>
+            <a:r>
+              <a:rPr lang="es-ES" dirty="0">
+                <a:effectLst/>
+                <a:ea typeface="Arial" panose="020B0604020202020204" pitchFamily="34" charset="0"/>
+              </a:rPr>
+              <a:t>Los</a:t>
+            </a:r>
+            <a:r>
+              <a:rPr lang="es-ES" spc="-10" dirty="0">
+                <a:effectLst/>
+                <a:ea typeface="Arial" panose="020B0604020202020204" pitchFamily="34" charset="0"/>
+              </a:rPr>
+              <a:t> </a:t>
+            </a:r>
+            <a:r>
+              <a:rPr lang="es-ES" dirty="0">
+                <a:effectLst/>
+                <a:ea typeface="Arial" panose="020B0604020202020204" pitchFamily="34" charset="0"/>
+              </a:rPr>
+              <a:t>principales</a:t>
+            </a:r>
+            <a:r>
+              <a:rPr lang="es-ES" spc="-10" dirty="0">
+                <a:effectLst/>
+                <a:ea typeface="Arial" panose="020B0604020202020204" pitchFamily="34" charset="0"/>
+              </a:rPr>
+              <a:t> </a:t>
+            </a:r>
+            <a:r>
+              <a:rPr lang="es-ES" dirty="0">
+                <a:effectLst/>
+                <a:ea typeface="Arial" panose="020B0604020202020204" pitchFamily="34" charset="0"/>
+              </a:rPr>
+              <a:t>objetivos</a:t>
+            </a:r>
+            <a:r>
+              <a:rPr lang="es-ES" spc="-10" dirty="0">
+                <a:effectLst/>
+                <a:ea typeface="Arial" panose="020B0604020202020204" pitchFamily="34" charset="0"/>
+              </a:rPr>
+              <a:t> </a:t>
+            </a:r>
+            <a:r>
+              <a:rPr lang="es-ES" dirty="0">
+                <a:effectLst/>
+                <a:ea typeface="Arial" panose="020B0604020202020204" pitchFamily="34" charset="0"/>
+              </a:rPr>
+              <a:t>a</a:t>
+            </a:r>
+            <a:r>
+              <a:rPr lang="es-ES" spc="-15" dirty="0">
+                <a:effectLst/>
+                <a:ea typeface="Arial" panose="020B0604020202020204" pitchFamily="34" charset="0"/>
+              </a:rPr>
+              <a:t> </a:t>
+            </a:r>
+            <a:r>
+              <a:rPr lang="es-ES" dirty="0">
+                <a:effectLst/>
+                <a:ea typeface="Arial" panose="020B0604020202020204" pitchFamily="34" charset="0"/>
+              </a:rPr>
+              <a:t>llevar</a:t>
+            </a:r>
+            <a:r>
+              <a:rPr lang="es-ES" spc="-5" dirty="0">
+                <a:effectLst/>
+                <a:ea typeface="Arial" panose="020B0604020202020204" pitchFamily="34" charset="0"/>
+              </a:rPr>
+              <a:t> </a:t>
+            </a:r>
+            <a:r>
+              <a:rPr lang="es-ES" dirty="0">
+                <a:effectLst/>
+                <a:ea typeface="Arial" panose="020B0604020202020204" pitchFamily="34" charset="0"/>
+              </a:rPr>
+              <a:t>a</a:t>
+            </a:r>
+            <a:r>
+              <a:rPr lang="es-ES" spc="-10" dirty="0">
+                <a:effectLst/>
+                <a:ea typeface="Arial" panose="020B0604020202020204" pitchFamily="34" charset="0"/>
+              </a:rPr>
+              <a:t> </a:t>
+            </a:r>
+            <a:r>
+              <a:rPr lang="es-ES" dirty="0">
+                <a:effectLst/>
+                <a:ea typeface="Arial" panose="020B0604020202020204" pitchFamily="34" charset="0"/>
+              </a:rPr>
+              <a:t>cabo</a:t>
+            </a:r>
+            <a:r>
+              <a:rPr lang="es-ES" spc="-25" dirty="0">
+                <a:effectLst/>
+                <a:ea typeface="Arial" panose="020B0604020202020204" pitchFamily="34" charset="0"/>
+              </a:rPr>
+              <a:t> </a:t>
+            </a:r>
+            <a:r>
+              <a:rPr lang="es-ES" dirty="0">
+                <a:effectLst/>
+                <a:ea typeface="Arial" panose="020B0604020202020204" pitchFamily="34" charset="0"/>
+              </a:rPr>
+              <a:t>serán:</a:t>
+            </a:r>
+            <a:endParaRPr lang="en-US" dirty="0">
+              <a:effectLst/>
+              <a:ea typeface="Arial" panose="020B0604020202020204" pitchFamily="34" charset="0"/>
+            </a:endParaRPr>
+          </a:p>
+          <a:p>
+            <a:pPr marL="742950" marR="882650" lvl="1" indent="-285750" algn="just">
               <a:lnSpc>
-                <a:spcPct val="150000"/>
+                <a:spcPct val="106000"/>
               </a:lnSpc>
-              <a:buFont typeface="Arial" panose="020B0604020202020204" pitchFamily="34" charset="0"/>
-              <a:buChar char="•"/>
+              <a:spcBef>
+                <a:spcPts val="750"/>
+              </a:spcBef>
+              <a:spcAft>
+                <a:spcPts val="0"/>
+              </a:spcAft>
+              <a:buSzPts val="1100"/>
+              <a:buFont typeface="Segoe UI Symbol" panose="020B0502040204020203" pitchFamily="34" charset="0"/>
+              <a:buChar char="✓"/>
+              <a:tabLst>
+                <a:tab pos="1871345" algn="l"/>
+              </a:tabLst>
             </a:pPr>
             <a:r>
-              <a:rPr lang="es-ES" sz="1600" b="1" dirty="0"/>
-              <a:t>La Fase de planificación: </a:t>
-            </a:r>
-            <a:r>
-              <a:rPr lang="es-ES" sz="1600" dirty="0"/>
-              <a:t>esta fase sirve para planificar la organización básica y establecer los objetivos de la seguridad de la información y para escoger los controles adecuados de seguridad (la norma contiene un catálogo de 133 posibles controles).</a:t>
-            </a:r>
-          </a:p>
-          <a:p>
-            <a:pPr marL="285750" indent="-285750">
+              <a:rPr lang="es-ES" dirty="0">
+                <a:effectLst/>
+                <a:ea typeface="Segoe UI Symbol" panose="020B0502040204020203" pitchFamily="34" charset="0"/>
+                <a:cs typeface="Segoe UI Symbol" panose="020B0502040204020203" pitchFamily="34" charset="0"/>
+              </a:rPr>
+              <a:t>Identificar el nivel de seguridad actual del emplazamiento y la</a:t>
+            </a:r>
+            <a:r>
+              <a:rPr lang="es-ES" spc="5" dirty="0">
+                <a:effectLst/>
+                <a:ea typeface="Segoe UI Symbol" panose="020B0502040204020203" pitchFamily="34" charset="0"/>
+                <a:cs typeface="Segoe UI Symbol" panose="020B0502040204020203" pitchFamily="34" charset="0"/>
+              </a:rPr>
+              <a:t> </a:t>
+            </a:r>
+            <a:r>
+              <a:rPr lang="es-ES" dirty="0">
+                <a:effectLst/>
+                <a:ea typeface="Segoe UI Symbol" panose="020B0502040204020203" pitchFamily="34" charset="0"/>
+                <a:cs typeface="Segoe UI Symbol" panose="020B0502040204020203" pitchFamily="34" charset="0"/>
+              </a:rPr>
+              <a:t>inversión</a:t>
+            </a:r>
+            <a:r>
+              <a:rPr lang="es-ES" spc="-40" dirty="0">
+                <a:effectLst/>
+                <a:ea typeface="Segoe UI Symbol" panose="020B0502040204020203" pitchFamily="34" charset="0"/>
+                <a:cs typeface="Segoe UI Symbol" panose="020B0502040204020203" pitchFamily="34" charset="0"/>
+              </a:rPr>
+              <a:t> </a:t>
+            </a:r>
+            <a:r>
+              <a:rPr lang="es-ES" dirty="0">
+                <a:effectLst/>
+                <a:ea typeface="Segoe UI Symbol" panose="020B0502040204020203" pitchFamily="34" charset="0"/>
+                <a:cs typeface="Segoe UI Symbol" panose="020B0502040204020203" pitchFamily="34" charset="0"/>
+              </a:rPr>
+              <a:t>necesaria</a:t>
+            </a:r>
+            <a:r>
+              <a:rPr lang="es-ES" spc="-40" dirty="0">
+                <a:effectLst/>
+                <a:ea typeface="Segoe UI Symbol" panose="020B0502040204020203" pitchFamily="34" charset="0"/>
+                <a:cs typeface="Segoe UI Symbol" panose="020B0502040204020203" pitchFamily="34" charset="0"/>
+              </a:rPr>
+              <a:t> </a:t>
+            </a:r>
+            <a:r>
+              <a:rPr lang="es-ES" dirty="0">
+                <a:effectLst/>
+                <a:ea typeface="Segoe UI Symbol" panose="020B0502040204020203" pitchFamily="34" charset="0"/>
+                <a:cs typeface="Segoe UI Symbol" panose="020B0502040204020203" pitchFamily="34" charset="0"/>
+              </a:rPr>
+              <a:t>para</a:t>
+            </a:r>
+            <a:r>
+              <a:rPr lang="es-ES" spc="-45" dirty="0">
+                <a:effectLst/>
+                <a:ea typeface="Segoe UI Symbol" panose="020B0502040204020203" pitchFamily="34" charset="0"/>
+                <a:cs typeface="Segoe UI Symbol" panose="020B0502040204020203" pitchFamily="34" charset="0"/>
+              </a:rPr>
+              <a:t> </a:t>
+            </a:r>
+            <a:r>
+              <a:rPr lang="es-ES" dirty="0">
+                <a:effectLst/>
+                <a:ea typeface="Segoe UI Symbol" panose="020B0502040204020203" pitchFamily="34" charset="0"/>
+                <a:cs typeface="Segoe UI Symbol" panose="020B0502040204020203" pitchFamily="34" charset="0"/>
+              </a:rPr>
+              <a:t>que</a:t>
+            </a:r>
+            <a:r>
+              <a:rPr lang="es-ES" spc="-50" dirty="0">
+                <a:effectLst/>
+                <a:ea typeface="Segoe UI Symbol" panose="020B0502040204020203" pitchFamily="34" charset="0"/>
+                <a:cs typeface="Segoe UI Symbol" panose="020B0502040204020203" pitchFamily="34" charset="0"/>
+              </a:rPr>
+              <a:t> </a:t>
+            </a:r>
+            <a:r>
+              <a:rPr lang="es-ES" dirty="0">
+                <a:effectLst/>
+                <a:ea typeface="Segoe UI Symbol" panose="020B0502040204020203" pitchFamily="34" charset="0"/>
+                <a:cs typeface="Segoe UI Symbol" panose="020B0502040204020203" pitchFamily="34" charset="0"/>
+              </a:rPr>
+              <a:t>cumpla</a:t>
+            </a:r>
+            <a:r>
+              <a:rPr lang="es-ES" spc="-35" dirty="0">
+                <a:effectLst/>
+                <a:ea typeface="Segoe UI Symbol" panose="020B0502040204020203" pitchFamily="34" charset="0"/>
+                <a:cs typeface="Segoe UI Symbol" panose="020B0502040204020203" pitchFamily="34" charset="0"/>
+              </a:rPr>
+              <a:t> </a:t>
+            </a:r>
+            <a:r>
+              <a:rPr lang="es-ES" dirty="0">
+                <a:effectLst/>
+                <a:ea typeface="Segoe UI Symbol" panose="020B0502040204020203" pitchFamily="34" charset="0"/>
+                <a:cs typeface="Segoe UI Symbol" panose="020B0502040204020203" pitchFamily="34" charset="0"/>
+              </a:rPr>
+              <a:t>con</a:t>
+            </a:r>
+            <a:r>
+              <a:rPr lang="es-ES" spc="-50" dirty="0">
+                <a:effectLst/>
+                <a:ea typeface="Segoe UI Symbol" panose="020B0502040204020203" pitchFamily="34" charset="0"/>
+                <a:cs typeface="Segoe UI Symbol" panose="020B0502040204020203" pitchFamily="34" charset="0"/>
+              </a:rPr>
+              <a:t> </a:t>
+            </a:r>
+            <a:r>
+              <a:rPr lang="es-ES" dirty="0">
+                <a:effectLst/>
+                <a:ea typeface="Segoe UI Symbol" panose="020B0502040204020203" pitchFamily="34" charset="0"/>
+                <a:cs typeface="Segoe UI Symbol" panose="020B0502040204020203" pitchFamily="34" charset="0"/>
+              </a:rPr>
+              <a:t>las</a:t>
+            </a:r>
+            <a:r>
+              <a:rPr lang="es-ES" spc="-35" dirty="0">
+                <a:effectLst/>
+                <a:ea typeface="Segoe UI Symbol" panose="020B0502040204020203" pitchFamily="34" charset="0"/>
+                <a:cs typeface="Segoe UI Symbol" panose="020B0502040204020203" pitchFamily="34" charset="0"/>
+              </a:rPr>
+              <a:t> </a:t>
+            </a:r>
+            <a:r>
+              <a:rPr lang="es-ES" dirty="0">
+                <a:effectLst/>
+                <a:ea typeface="Segoe UI Symbol" panose="020B0502040204020203" pitchFamily="34" charset="0"/>
+                <a:cs typeface="Segoe UI Symbol" panose="020B0502040204020203" pitchFamily="34" charset="0"/>
+              </a:rPr>
+              <a:t>expectativas</a:t>
+            </a:r>
+            <a:r>
+              <a:rPr lang="es-ES" spc="-30" dirty="0">
+                <a:effectLst/>
+                <a:ea typeface="Segoe UI Symbol" panose="020B0502040204020203" pitchFamily="34" charset="0"/>
+                <a:cs typeface="Segoe UI Symbol" panose="020B0502040204020203" pitchFamily="34" charset="0"/>
+              </a:rPr>
+              <a:t> </a:t>
+            </a:r>
+            <a:r>
+              <a:rPr lang="es-ES" dirty="0">
+                <a:effectLst/>
+                <a:ea typeface="Segoe UI Symbol" panose="020B0502040204020203" pitchFamily="34" charset="0"/>
+                <a:cs typeface="Segoe UI Symbol" panose="020B0502040204020203" pitchFamily="34" charset="0"/>
+              </a:rPr>
+              <a:t>(siempre</a:t>
+            </a:r>
+            <a:r>
+              <a:rPr lang="es-ES" spc="-295" dirty="0">
+                <a:effectLst/>
+                <a:ea typeface="Segoe UI Symbol" panose="020B0502040204020203" pitchFamily="34" charset="0"/>
+                <a:cs typeface="Segoe UI Symbol" panose="020B0502040204020203" pitchFamily="34" charset="0"/>
+              </a:rPr>
+              <a:t> </a:t>
+            </a:r>
+            <a:r>
+              <a:rPr lang="es-ES" dirty="0">
+                <a:effectLst/>
+                <a:ea typeface="Segoe UI Symbol" panose="020B0502040204020203" pitchFamily="34" charset="0"/>
+                <a:cs typeface="Segoe UI Symbol" panose="020B0502040204020203" pitchFamily="34" charset="0"/>
+              </a:rPr>
+              <a:t>teniendo en cuentas las exigencias más restrictivas para no tener</a:t>
+            </a:r>
+            <a:r>
+              <a:rPr lang="es-ES" spc="5" dirty="0">
+                <a:effectLst/>
+                <a:ea typeface="Segoe UI Symbol" panose="020B0502040204020203" pitchFamily="34" charset="0"/>
+                <a:cs typeface="Segoe UI Symbol" panose="020B0502040204020203" pitchFamily="34" charset="0"/>
+              </a:rPr>
+              <a:t> </a:t>
+            </a:r>
+            <a:r>
+              <a:rPr lang="es-ES" dirty="0">
+                <a:effectLst/>
+                <a:ea typeface="Segoe UI Symbol" panose="020B0502040204020203" pitchFamily="34" charset="0"/>
+                <a:cs typeface="Segoe UI Symbol" panose="020B0502040204020203" pitchFamily="34" charset="0"/>
+              </a:rPr>
+              <a:t>problema</a:t>
+            </a:r>
+            <a:r>
+              <a:rPr lang="es-ES" spc="-10" dirty="0">
+                <a:effectLst/>
+                <a:ea typeface="Segoe UI Symbol" panose="020B0502040204020203" pitchFamily="34" charset="0"/>
+                <a:cs typeface="Segoe UI Symbol" panose="020B0502040204020203" pitchFamily="34" charset="0"/>
+              </a:rPr>
+              <a:t> </a:t>
+            </a:r>
+            <a:r>
+              <a:rPr lang="es-ES" dirty="0">
+                <a:effectLst/>
+                <a:ea typeface="Segoe UI Symbol" panose="020B0502040204020203" pitchFamily="34" charset="0"/>
+                <a:cs typeface="Segoe UI Symbol" panose="020B0502040204020203" pitchFamily="34" charset="0"/>
+              </a:rPr>
+              <a:t>con los</a:t>
+            </a:r>
+            <a:r>
+              <a:rPr lang="es-ES" spc="-15" dirty="0">
+                <a:effectLst/>
+                <a:ea typeface="Segoe UI Symbol" panose="020B0502040204020203" pitchFamily="34" charset="0"/>
+                <a:cs typeface="Segoe UI Symbol" panose="020B0502040204020203" pitchFamily="34" charset="0"/>
+              </a:rPr>
+              <a:t> </a:t>
+            </a:r>
+            <a:r>
+              <a:rPr lang="es-ES" dirty="0">
+                <a:effectLst/>
+                <a:ea typeface="Segoe UI Symbol" panose="020B0502040204020203" pitchFamily="34" charset="0"/>
+                <a:cs typeface="Segoe UI Symbol" panose="020B0502040204020203" pitchFamily="34" charset="0"/>
+              </a:rPr>
+              <a:t>clientes</a:t>
+            </a:r>
+            <a:r>
+              <a:rPr lang="es-ES" spc="5" dirty="0">
+                <a:effectLst/>
+                <a:ea typeface="Segoe UI Symbol" panose="020B0502040204020203" pitchFamily="34" charset="0"/>
+                <a:cs typeface="Segoe UI Symbol" panose="020B0502040204020203" pitchFamily="34" charset="0"/>
+              </a:rPr>
+              <a:t> </a:t>
+            </a:r>
+            <a:r>
+              <a:rPr lang="es-ES" dirty="0">
+                <a:effectLst/>
+                <a:ea typeface="Segoe UI Symbol" panose="020B0502040204020203" pitchFamily="34" charset="0"/>
+                <a:cs typeface="Segoe UI Symbol" panose="020B0502040204020203" pitchFamily="34" charset="0"/>
+              </a:rPr>
+              <a:t>más</a:t>
+            </a:r>
+            <a:r>
+              <a:rPr lang="es-ES" spc="5" dirty="0">
+                <a:effectLst/>
+                <a:ea typeface="Segoe UI Symbol" panose="020B0502040204020203" pitchFamily="34" charset="0"/>
+                <a:cs typeface="Segoe UI Symbol" panose="020B0502040204020203" pitchFamily="34" charset="0"/>
+              </a:rPr>
+              <a:t> </a:t>
+            </a:r>
+            <a:r>
+              <a:rPr lang="es-ES" dirty="0">
+                <a:effectLst/>
+                <a:ea typeface="Segoe UI Symbol" panose="020B0502040204020203" pitchFamily="34" charset="0"/>
+                <a:cs typeface="Segoe UI Symbol" panose="020B0502040204020203" pitchFamily="34" charset="0"/>
+              </a:rPr>
+              <a:t>exigentes).</a:t>
+            </a:r>
+            <a:endParaRPr lang="en-US" dirty="0">
+              <a:effectLst/>
+              <a:ea typeface="Segoe UI Symbol" panose="020B0502040204020203" pitchFamily="34" charset="0"/>
+              <a:cs typeface="Segoe UI Symbol" panose="020B0502040204020203" pitchFamily="34" charset="0"/>
+            </a:endParaRPr>
+          </a:p>
+          <a:p>
+            <a:pPr marL="742950" marR="883920" lvl="1" indent="-285750" algn="just">
               <a:lnSpc>
-                <a:spcPct val="150000"/>
+                <a:spcPct val="105000"/>
               </a:lnSpc>
-              <a:buFont typeface="Arial" panose="020B0604020202020204" pitchFamily="34" charset="0"/>
-              <a:buChar char="•"/>
+              <a:spcBef>
+                <a:spcPts val="630"/>
+              </a:spcBef>
+              <a:spcAft>
+                <a:spcPts val="0"/>
+              </a:spcAft>
+              <a:buSzPts val="1100"/>
+              <a:buFont typeface="Segoe UI Symbol" panose="020B0502040204020203" pitchFamily="34" charset="0"/>
+              <a:buChar char="✓"/>
+              <a:tabLst>
+                <a:tab pos="1871345" algn="l"/>
+              </a:tabLst>
             </a:pPr>
             <a:r>
-              <a:rPr lang="es-ES" sz="1600" b="1" dirty="0"/>
-              <a:t>La Fase de implementación: </a:t>
-            </a:r>
-            <a:r>
-              <a:rPr lang="es-ES" sz="1600" dirty="0"/>
-              <a:t>esta fase implica la realización de todo lo planificado en la fase anterior.</a:t>
-            </a:r>
-          </a:p>
-          <a:p>
-            <a:pPr marL="285750" indent="-285750">
-              <a:lnSpc>
-                <a:spcPct val="150000"/>
-              </a:lnSpc>
-              <a:buFont typeface="Arial" panose="020B0604020202020204" pitchFamily="34" charset="0"/>
-              <a:buChar char="•"/>
-            </a:pPr>
-            <a:r>
-              <a:rPr lang="es-ES" sz="1600" b="1" dirty="0"/>
-              <a:t>La Fase de revisión</a:t>
-            </a:r>
-            <a:r>
-              <a:rPr lang="es-ES" sz="1600" dirty="0"/>
-              <a:t>: el objetivo de esta fase es monitorear el funcionamiento del SGSI mediante diversos "canales" y verificar si los resultados cumplen los objetivos establecidos.</a:t>
-            </a:r>
-          </a:p>
-          <a:p>
-            <a:pPr marL="285750" indent="-285750">
-              <a:lnSpc>
-                <a:spcPct val="150000"/>
-              </a:lnSpc>
-              <a:buFont typeface="Arial" panose="020B0604020202020204" pitchFamily="34" charset="0"/>
-              <a:buChar char="•"/>
-            </a:pPr>
-            <a:r>
-              <a:rPr lang="es-ES" sz="1600" b="1" dirty="0"/>
-              <a:t>La Fase de mantenimiento y mejora: </a:t>
-            </a:r>
-            <a:r>
-              <a:rPr lang="es-ES" sz="1600" dirty="0"/>
-              <a:t>el objetivo de esta fase es mejorar todos los incumplimientos detectados en la fase anterior.</a:t>
-            </a:r>
-          </a:p>
-          <a:p>
-            <a:pPr marL="285750" indent="-285750">
-              <a:lnSpc>
-                <a:spcPct val="150000"/>
-              </a:lnSpc>
-              <a:buFont typeface="Arial" panose="020B0604020202020204" pitchFamily="34" charset="0"/>
-              <a:buChar char="•"/>
-            </a:pPr>
-            <a:r>
-              <a:rPr lang="es-ES" sz="1600" dirty="0"/>
-              <a:t>El ciclo de estas cuatro fases nunca termina, todas las actividades deben ser implementadas cíclicamente para mantener la eficacia del SGSI.</a:t>
-            </a:r>
+              <a:rPr lang="es-ES" dirty="0">
+                <a:effectLst/>
+                <a:ea typeface="Segoe UI Symbol" panose="020B0502040204020203" pitchFamily="34" charset="0"/>
+                <a:cs typeface="Segoe UI Symbol" panose="020B0502040204020203" pitchFamily="34" charset="0"/>
+              </a:rPr>
+              <a:t>Implementación y seguimiento adecuado del plan generado para</a:t>
+            </a:r>
+            <a:r>
+              <a:rPr lang="es-ES" spc="5" dirty="0">
+                <a:effectLst/>
+                <a:ea typeface="Segoe UI Symbol" panose="020B0502040204020203" pitchFamily="34" charset="0"/>
+                <a:cs typeface="Segoe UI Symbol" panose="020B0502040204020203" pitchFamily="34" charset="0"/>
+              </a:rPr>
+              <a:t> </a:t>
+            </a:r>
+            <a:r>
+              <a:rPr lang="es-ES" dirty="0">
+                <a:effectLst/>
+                <a:ea typeface="Segoe UI Symbol" panose="020B0502040204020203" pitchFamily="34" charset="0"/>
+                <a:cs typeface="Segoe UI Symbol" panose="020B0502040204020203" pitchFamily="34" charset="0"/>
+              </a:rPr>
+              <a:t>que</a:t>
+            </a:r>
+            <a:r>
+              <a:rPr lang="es-ES" spc="5" dirty="0">
+                <a:effectLst/>
+                <a:ea typeface="Segoe UI Symbol" panose="020B0502040204020203" pitchFamily="34" charset="0"/>
+                <a:cs typeface="Segoe UI Symbol" panose="020B0502040204020203" pitchFamily="34" charset="0"/>
+              </a:rPr>
+              <a:t> </a:t>
+            </a:r>
+            <a:r>
+              <a:rPr lang="es-ES" dirty="0">
+                <a:effectLst/>
+                <a:ea typeface="Segoe UI Symbol" panose="020B0502040204020203" pitchFamily="34" charset="0"/>
+                <a:cs typeface="Segoe UI Symbol" panose="020B0502040204020203" pitchFamily="34" charset="0"/>
+              </a:rPr>
+              <a:t>se</a:t>
+            </a:r>
+            <a:r>
+              <a:rPr lang="es-ES" spc="5" dirty="0">
+                <a:effectLst/>
+                <a:ea typeface="Segoe UI Symbol" panose="020B0502040204020203" pitchFamily="34" charset="0"/>
+                <a:cs typeface="Segoe UI Symbol" panose="020B0502040204020203" pitchFamily="34" charset="0"/>
+              </a:rPr>
+              <a:t> </a:t>
+            </a:r>
+            <a:r>
+              <a:rPr lang="es-ES" dirty="0">
+                <a:effectLst/>
+                <a:ea typeface="Segoe UI Symbol" panose="020B0502040204020203" pitchFamily="34" charset="0"/>
+                <a:cs typeface="Segoe UI Symbol" panose="020B0502040204020203" pitchFamily="34" charset="0"/>
+              </a:rPr>
+              <a:t>siga</a:t>
+            </a:r>
+            <a:r>
+              <a:rPr lang="es-ES" spc="5" dirty="0">
+                <a:effectLst/>
+                <a:ea typeface="Segoe UI Symbol" panose="020B0502040204020203" pitchFamily="34" charset="0"/>
+                <a:cs typeface="Segoe UI Symbol" panose="020B0502040204020203" pitchFamily="34" charset="0"/>
+              </a:rPr>
+              <a:t> </a:t>
+            </a:r>
+            <a:r>
+              <a:rPr lang="es-ES" dirty="0">
+                <a:effectLst/>
+                <a:ea typeface="Segoe UI Symbol" panose="020B0502040204020203" pitchFamily="34" charset="0"/>
+                <a:cs typeface="Segoe UI Symbol" panose="020B0502040204020203" pitchFamily="34" charset="0"/>
+              </a:rPr>
+              <a:t>correctamente</a:t>
+            </a:r>
+            <a:r>
+              <a:rPr lang="es-ES" spc="5" dirty="0">
+                <a:effectLst/>
+                <a:ea typeface="Segoe UI Symbol" panose="020B0502040204020203" pitchFamily="34" charset="0"/>
+                <a:cs typeface="Segoe UI Symbol" panose="020B0502040204020203" pitchFamily="34" charset="0"/>
+              </a:rPr>
+              <a:t> </a:t>
+            </a:r>
+            <a:r>
+              <a:rPr lang="es-ES" dirty="0">
+                <a:effectLst/>
+                <a:ea typeface="Segoe UI Symbol" panose="020B0502040204020203" pitchFamily="34" charset="0"/>
+                <a:cs typeface="Segoe UI Symbol" panose="020B0502040204020203" pitchFamily="34" charset="0"/>
+              </a:rPr>
+              <a:t>el</a:t>
+            </a:r>
+            <a:r>
+              <a:rPr lang="es-ES" spc="5" dirty="0">
+                <a:effectLst/>
+                <a:ea typeface="Segoe UI Symbol" panose="020B0502040204020203" pitchFamily="34" charset="0"/>
+                <a:cs typeface="Segoe UI Symbol" panose="020B0502040204020203" pitchFamily="34" charset="0"/>
+              </a:rPr>
+              <a:t> </a:t>
+            </a:r>
+            <a:r>
+              <a:rPr lang="es-ES" dirty="0">
+                <a:effectLst/>
+                <a:ea typeface="Segoe UI Symbol" panose="020B0502040204020203" pitchFamily="34" charset="0"/>
+                <a:cs typeface="Segoe UI Symbol" panose="020B0502040204020203" pitchFamily="34" charset="0"/>
+              </a:rPr>
+              <a:t>ciclo</a:t>
+            </a:r>
+            <a:r>
+              <a:rPr lang="es-ES" spc="5" dirty="0">
+                <a:effectLst/>
+                <a:ea typeface="Segoe UI Symbol" panose="020B0502040204020203" pitchFamily="34" charset="0"/>
+                <a:cs typeface="Segoe UI Symbol" panose="020B0502040204020203" pitchFamily="34" charset="0"/>
+              </a:rPr>
+              <a:t> </a:t>
+            </a:r>
+            <a:r>
+              <a:rPr lang="es-ES" dirty="0">
+                <a:effectLst/>
+                <a:ea typeface="Segoe UI Symbol" panose="020B0502040204020203" pitchFamily="34" charset="0"/>
+                <a:cs typeface="Segoe UI Symbol" panose="020B0502040204020203" pitchFamily="34" charset="0"/>
+              </a:rPr>
+              <a:t>de</a:t>
+            </a:r>
+            <a:r>
+              <a:rPr lang="es-ES" spc="5" dirty="0">
+                <a:effectLst/>
+                <a:ea typeface="Segoe UI Symbol" panose="020B0502040204020203" pitchFamily="34" charset="0"/>
+                <a:cs typeface="Segoe UI Symbol" panose="020B0502040204020203" pitchFamily="34" charset="0"/>
+              </a:rPr>
+              <a:t> </a:t>
+            </a:r>
+            <a:r>
+              <a:rPr lang="es-ES" dirty="0">
+                <a:effectLst/>
+                <a:ea typeface="Segoe UI Symbol" panose="020B0502040204020203" pitchFamily="34" charset="0"/>
+                <a:cs typeface="Segoe UI Symbol" panose="020B0502040204020203" pitchFamily="34" charset="0"/>
+              </a:rPr>
+              <a:t>la</a:t>
+            </a:r>
+            <a:r>
+              <a:rPr lang="es-ES" spc="5" dirty="0">
+                <a:effectLst/>
+                <a:ea typeface="Segoe UI Symbol" panose="020B0502040204020203" pitchFamily="34" charset="0"/>
+                <a:cs typeface="Segoe UI Symbol" panose="020B0502040204020203" pitchFamily="34" charset="0"/>
+              </a:rPr>
+              <a:t> </a:t>
+            </a:r>
+            <a:r>
+              <a:rPr lang="es-ES" dirty="0">
+                <a:effectLst/>
+                <a:ea typeface="Segoe UI Symbol" panose="020B0502040204020203" pitchFamily="34" charset="0"/>
+                <a:cs typeface="Segoe UI Symbol" panose="020B0502040204020203" pitchFamily="34" charset="0"/>
+              </a:rPr>
+              <a:t>mejora</a:t>
+            </a:r>
+            <a:r>
+              <a:rPr lang="es-ES" spc="5" dirty="0">
+                <a:effectLst/>
+                <a:ea typeface="Segoe UI Symbol" panose="020B0502040204020203" pitchFamily="34" charset="0"/>
+                <a:cs typeface="Segoe UI Symbol" panose="020B0502040204020203" pitchFamily="34" charset="0"/>
+              </a:rPr>
+              <a:t> </a:t>
+            </a:r>
+            <a:r>
+              <a:rPr lang="es-ES" dirty="0">
+                <a:effectLst/>
+                <a:ea typeface="Segoe UI Symbol" panose="020B0502040204020203" pitchFamily="34" charset="0"/>
+                <a:cs typeface="Segoe UI Symbol" panose="020B0502040204020203" pitchFamily="34" charset="0"/>
+              </a:rPr>
+              <a:t>continua</a:t>
+            </a:r>
+            <a:r>
+              <a:rPr lang="es-ES" spc="5" dirty="0">
+                <a:effectLst/>
+                <a:ea typeface="Segoe UI Symbol" panose="020B0502040204020203" pitchFamily="34" charset="0"/>
+                <a:cs typeface="Segoe UI Symbol" panose="020B0502040204020203" pitchFamily="34" charset="0"/>
+              </a:rPr>
+              <a:t> </a:t>
+            </a:r>
+            <a:r>
+              <a:rPr lang="es-ES" dirty="0">
+                <a:effectLst/>
+                <a:ea typeface="Segoe UI Symbol" panose="020B0502040204020203" pitchFamily="34" charset="0"/>
+                <a:cs typeface="Segoe UI Symbol" panose="020B0502040204020203" pitchFamily="34" charset="0"/>
+              </a:rPr>
+              <a:t>del</a:t>
+            </a:r>
+            <a:r>
+              <a:rPr lang="es-ES" spc="5" dirty="0">
+                <a:effectLst/>
+                <a:ea typeface="Segoe UI Symbol" panose="020B0502040204020203" pitchFamily="34" charset="0"/>
+                <a:cs typeface="Segoe UI Symbol" panose="020B0502040204020203" pitchFamily="34" charset="0"/>
+              </a:rPr>
+              <a:t> </a:t>
+            </a:r>
+            <a:r>
+              <a:rPr lang="es-ES" dirty="0">
+                <a:effectLst/>
+                <a:ea typeface="Segoe UI Symbol" panose="020B0502040204020203" pitchFamily="34" charset="0"/>
+                <a:cs typeface="Segoe UI Symbol" panose="020B0502040204020203" pitchFamily="34" charset="0"/>
+              </a:rPr>
+              <a:t>sistema.</a:t>
+            </a:r>
+            <a:endParaRPr lang="en-US" dirty="0">
+              <a:effectLst/>
+              <a:ea typeface="Segoe UI Symbol" panose="020B0502040204020203" pitchFamily="34" charset="0"/>
+              <a:cs typeface="Segoe UI Symbol" panose="020B0502040204020203" pitchFamily="34" charset="0"/>
+            </a:endParaRPr>
           </a:p>
         </p:txBody>
       </p:sp>
     </p:spTree>
     <p:extLst>
       <p:ext uri="{BB962C8B-B14F-4D97-AF65-F5344CB8AC3E}">
-        <p14:creationId xmlns:p14="http://schemas.microsoft.com/office/powerpoint/2010/main" val="3141497052"/>
+        <p14:creationId xmlns:p14="http://schemas.microsoft.com/office/powerpoint/2010/main" val="828465746"/>
       </p:ext>
     </p:extLst>
   </p:cSld>
@@ -8496,7 +9192,7 @@
         </p:nvSpPr>
         <p:spPr>
           <a:xfrm>
-            <a:off x="6096000" y="6373029"/>
+            <a:off x="5858116" y="6336536"/>
             <a:ext cx="5938836" cy="309201"/>
           </a:xfrm>
         </p:spPr>
@@ -8547,1532 +9243,6 @@
             <a:fld id="{8F34BD62-A3D8-4E3F-A0E8-047DDC77FB8A}" type="slidenum">
               <a:rPr lang="en-US" smtClean="0"/>
               <a:t>6</a:t>
-            </a:fld>
-            <a:endParaRPr lang="en-US"/>
-          </a:p>
-        </p:txBody>
-      </p:sp>
-      <p:sp>
-        <p:nvSpPr>
-          <p:cNvPr id="7" name="Rectangle 2">
-            <a:extLst>
-              <a:ext uri="{FF2B5EF4-FFF2-40B4-BE49-F238E27FC236}">
-                <a16:creationId xmlns:a16="http://schemas.microsoft.com/office/drawing/2014/main" id="{E3114E6D-66FF-492E-B616-2062B1F0A6A1}"/>
-              </a:ext>
-            </a:extLst>
-          </p:cNvPr>
-          <p:cNvSpPr>
-            <a:spLocks noChangeArrowheads="1"/>
-          </p:cNvSpPr>
-          <p:nvPr/>
-        </p:nvSpPr>
-        <p:spPr bwMode="auto">
-          <a:xfrm>
-            <a:off x="0" y="0"/>
-            <a:ext cx="12192000" cy="457200"/>
-          </a:xfrm>
-          <a:prstGeom prst="rect">
-            <a:avLst/>
-          </a:prstGeom>
-          <a:noFill/>
-          <a:ln>
-            <a:noFill/>
-          </a:ln>
-          <a:effectLst/>
-          <a:extLst>
-            <a:ext uri="{909E8E84-426E-40DD-AFC4-6F175D3DCCD1}">
-              <a14:hiddenFill xmlns:a14="http://schemas.microsoft.com/office/drawing/2010/main">
-                <a:solidFill>
-                  <a:schemeClr val="accent1"/>
-                </a:solidFill>
-              </a14:hiddenFill>
-            </a:ext>
-            <a:ext uri="{91240B29-F687-4F45-9708-019B960494DF}">
-              <a14:hiddenLine xmlns:a14="http://schemas.microsoft.com/office/drawing/2010/main" w="9525">
-                <a:solidFill>
-                  <a:schemeClr val="tx1"/>
-                </a:solidFill>
-                <a:miter lim="800000"/>
-                <a:headEnd/>
-                <a:tailEnd/>
-              </a14:hiddenLine>
-            </a:ext>
-            <a:ext uri="{AF507438-7753-43E0-B8FC-AC1667EBCBE1}">
-              <a14:hiddenEffects xmlns:a14="http://schemas.microsoft.com/office/drawing/2010/main">
-                <a:effectLst>
-                  <a:outerShdw dist="35921" dir="2700000" algn="ctr" rotWithShape="0">
-                    <a:schemeClr val="bg2"/>
-                  </a:outerShdw>
-                </a:effectLst>
-              </a14:hiddenEffects>
-            </a:ext>
-          </a:extLst>
-        </p:spPr>
-        <p:txBody>
-          <a:bodyPr vert="horz" wrap="none" lIns="91440" tIns="45720" rIns="91440" bIns="45720" numCol="1" anchor="ctr" anchorCtr="0" compatLnSpc="1">
-            <a:prstTxWarp prst="textNoShape">
-              <a:avLst/>
-            </a:prstTxWarp>
-            <a:spAutoFit/>
-          </a:bodyPr>
-          <a:lstStyle/>
-          <a:p>
-            <a:endParaRPr lang="es-ES"/>
-          </a:p>
-        </p:txBody>
-      </p:sp>
-      <p:sp>
-        <p:nvSpPr>
-          <p:cNvPr id="11" name="Rectangle 5">
-            <a:extLst>
-              <a:ext uri="{FF2B5EF4-FFF2-40B4-BE49-F238E27FC236}">
-                <a16:creationId xmlns:a16="http://schemas.microsoft.com/office/drawing/2014/main" id="{4E8A8AE5-26CC-415D-B2A8-7856F1970EAE}"/>
-              </a:ext>
-            </a:extLst>
-          </p:cNvPr>
-          <p:cNvSpPr>
-            <a:spLocks noChangeArrowheads="1"/>
-          </p:cNvSpPr>
-          <p:nvPr/>
-        </p:nvSpPr>
-        <p:spPr bwMode="auto">
-          <a:xfrm>
-            <a:off x="0" y="0"/>
-            <a:ext cx="12192000" cy="457200"/>
-          </a:xfrm>
-          <a:prstGeom prst="rect">
-            <a:avLst/>
-          </a:prstGeom>
-          <a:noFill/>
-          <a:ln>
-            <a:noFill/>
-          </a:ln>
-          <a:effectLst/>
-          <a:extLst>
-            <a:ext uri="{909E8E84-426E-40DD-AFC4-6F175D3DCCD1}">
-              <a14:hiddenFill xmlns:a14="http://schemas.microsoft.com/office/drawing/2010/main">
-                <a:solidFill>
-                  <a:schemeClr val="accent1"/>
-                </a:solidFill>
-              </a14:hiddenFill>
-            </a:ext>
-            <a:ext uri="{91240B29-F687-4F45-9708-019B960494DF}">
-              <a14:hiddenLine xmlns:a14="http://schemas.microsoft.com/office/drawing/2010/main" w="9525">
-                <a:solidFill>
-                  <a:schemeClr val="tx1"/>
-                </a:solidFill>
-                <a:miter lim="800000"/>
-                <a:headEnd/>
-                <a:tailEnd/>
-              </a14:hiddenLine>
-            </a:ext>
-            <a:ext uri="{AF507438-7753-43E0-B8FC-AC1667EBCBE1}">
-              <a14:hiddenEffects xmlns:a14="http://schemas.microsoft.com/office/drawing/2010/main">
-                <a:effectLst>
-                  <a:outerShdw dist="35921" dir="2700000" algn="ctr" rotWithShape="0">
-                    <a:schemeClr val="bg2"/>
-                  </a:outerShdw>
-                </a:effectLst>
-              </a14:hiddenEffects>
-            </a:ext>
-          </a:extLst>
-        </p:spPr>
-        <p:txBody>
-          <a:bodyPr vert="horz" wrap="none" lIns="91440" tIns="45720" rIns="91440" bIns="45720" numCol="1" anchor="ctr" anchorCtr="0" compatLnSpc="1">
-            <a:prstTxWarp prst="textNoShape">
-              <a:avLst/>
-            </a:prstTxWarp>
-            <a:spAutoFit/>
-          </a:bodyPr>
-          <a:lstStyle/>
-          <a:p>
-            <a:endParaRPr lang="es-ES"/>
-          </a:p>
-        </p:txBody>
-      </p:sp>
-      <p:sp>
-        <p:nvSpPr>
-          <p:cNvPr id="5" name="Rectangle 43">
-            <a:extLst>
-              <a:ext uri="{FF2B5EF4-FFF2-40B4-BE49-F238E27FC236}">
-                <a16:creationId xmlns:a16="http://schemas.microsoft.com/office/drawing/2014/main" id="{4724DE65-CBBB-47B0-9A6C-FB6805E436B2}"/>
-              </a:ext>
-            </a:extLst>
-          </p:cNvPr>
-          <p:cNvSpPr>
-            <a:spLocks noChangeArrowheads="1"/>
-          </p:cNvSpPr>
-          <p:nvPr/>
-        </p:nvSpPr>
-        <p:spPr bwMode="auto">
-          <a:xfrm>
-            <a:off x="1795482" y="1375502"/>
-            <a:ext cx="12192000" cy="457200"/>
-          </a:xfrm>
-          <a:prstGeom prst="rect">
-            <a:avLst/>
-          </a:prstGeom>
-          <a:noFill/>
-          <a:ln>
-            <a:noFill/>
-          </a:ln>
-          <a:effectLst/>
-          <a:extLst>
-            <a:ext uri="{909E8E84-426E-40DD-AFC4-6F175D3DCCD1}">
-              <a14:hiddenFill xmlns:a14="http://schemas.microsoft.com/office/drawing/2010/main">
-                <a:solidFill>
-                  <a:schemeClr val="accent1"/>
-                </a:solidFill>
-              </a14:hiddenFill>
-            </a:ext>
-            <a:ext uri="{91240B29-F687-4F45-9708-019B960494DF}">
-              <a14:hiddenLine xmlns:a14="http://schemas.microsoft.com/office/drawing/2010/main" w="9525">
-                <a:solidFill>
-                  <a:schemeClr val="tx1"/>
-                </a:solidFill>
-                <a:miter lim="800000"/>
-                <a:headEnd/>
-                <a:tailEnd/>
-              </a14:hiddenLine>
-            </a:ext>
-            <a:ext uri="{AF507438-7753-43E0-B8FC-AC1667EBCBE1}">
-              <a14:hiddenEffects xmlns:a14="http://schemas.microsoft.com/office/drawing/2010/main">
-                <a:effectLst>
-                  <a:outerShdw dist="35921" dir="2700000" algn="ctr" rotWithShape="0">
-                    <a:schemeClr val="bg2"/>
-                  </a:outerShdw>
-                </a:effectLst>
-              </a14:hiddenEffects>
-            </a:ext>
-          </a:extLst>
-        </p:spPr>
-        <p:txBody>
-          <a:bodyPr vert="horz" wrap="none" lIns="91440" tIns="45720" rIns="91440" bIns="45720" numCol="1" anchor="ctr" anchorCtr="0" compatLnSpc="1">
-            <a:prstTxWarp prst="textNoShape">
-              <a:avLst/>
-            </a:prstTxWarp>
-            <a:spAutoFit/>
-          </a:bodyPr>
-          <a:lstStyle/>
-          <a:p>
-            <a:endParaRPr lang="es-ES"/>
-          </a:p>
-        </p:txBody>
-      </p:sp>
-      <p:sp>
-        <p:nvSpPr>
-          <p:cNvPr id="13" name="TextBox 12">
-            <a:extLst>
-              <a:ext uri="{FF2B5EF4-FFF2-40B4-BE49-F238E27FC236}">
-                <a16:creationId xmlns:a16="http://schemas.microsoft.com/office/drawing/2014/main" id="{4B9F218D-517C-419A-B889-2C3756423CBF}"/>
-              </a:ext>
-            </a:extLst>
-          </p:cNvPr>
-          <p:cNvSpPr txBox="1"/>
-          <p:nvPr/>
-        </p:nvSpPr>
-        <p:spPr>
-          <a:xfrm>
-            <a:off x="1896583" y="737451"/>
-            <a:ext cx="6996222" cy="369332"/>
-          </a:xfrm>
-          <a:prstGeom prst="rect">
-            <a:avLst/>
-          </a:prstGeom>
-          <a:noFill/>
-        </p:spPr>
-        <p:txBody>
-          <a:bodyPr wrap="square">
-            <a:spAutoFit/>
-          </a:bodyPr>
-          <a:lstStyle/>
-          <a:p>
-            <a:pPr marL="342900" lvl="0" indent="-342900">
-              <a:buSzPts val="1200"/>
-              <a:buFont typeface="Segoe UI Symbol" panose="020B0502040204020203" pitchFamily="34" charset="0"/>
-              <a:buChar char="➢"/>
-              <a:tabLst>
-                <a:tab pos="1068070" algn="l"/>
-              </a:tabLst>
-            </a:pPr>
-            <a:r>
-              <a:rPr lang="es-ES" b="1" dirty="0">
-                <a:latin typeface="Calibri" panose="020F0502020204030204" pitchFamily="34" charset="0"/>
-                <a:ea typeface="Calibri" panose="020F0502020204030204" pitchFamily="34" charset="0"/>
-              </a:rPr>
-              <a:t>P</a:t>
-            </a:r>
-            <a:r>
-              <a:rPr lang="es-ES" sz="1800" b="1" dirty="0">
-                <a:effectLst/>
-                <a:latin typeface="Calibri" panose="020F0502020204030204" pitchFamily="34" charset="0"/>
-                <a:ea typeface="Calibri" panose="020F0502020204030204" pitchFamily="34" charset="0"/>
-              </a:rPr>
-              <a:t>lan</a:t>
-            </a:r>
-            <a:r>
-              <a:rPr lang="es-ES" sz="1800" b="1" spc="-10" dirty="0">
-                <a:effectLst/>
-                <a:latin typeface="Calibri" panose="020F0502020204030204" pitchFamily="34" charset="0"/>
-                <a:ea typeface="Calibri" panose="020F0502020204030204" pitchFamily="34" charset="0"/>
-              </a:rPr>
-              <a:t> </a:t>
-            </a:r>
-            <a:r>
-              <a:rPr lang="es-ES" sz="1800" b="1" dirty="0">
-                <a:effectLst/>
-                <a:latin typeface="Calibri" panose="020F0502020204030204" pitchFamily="34" charset="0"/>
-                <a:ea typeface="Calibri" panose="020F0502020204030204" pitchFamily="34" charset="0"/>
-              </a:rPr>
-              <a:t>director.</a:t>
-            </a:r>
-            <a:endParaRPr lang="en-US" sz="1800" b="1" u="sng" dirty="0">
-              <a:effectLst/>
-              <a:uFill>
-                <a:solidFill>
-                  <a:srgbClr val="000000"/>
-                </a:solidFill>
-              </a:uFill>
-              <a:latin typeface="Arial" panose="020B0604020202020204" pitchFamily="34" charset="0"/>
-              <a:ea typeface="Segoe UI Symbol" panose="020B0502040204020203" pitchFamily="34" charset="0"/>
-              <a:cs typeface="Segoe UI Symbol" panose="020B0502040204020203" pitchFamily="34" charset="0"/>
-            </a:endParaRPr>
-          </a:p>
-        </p:txBody>
-      </p:sp>
-      <p:sp>
-        <p:nvSpPr>
-          <p:cNvPr id="12" name="TextBox 11">
-            <a:extLst>
-              <a:ext uri="{FF2B5EF4-FFF2-40B4-BE49-F238E27FC236}">
-                <a16:creationId xmlns:a16="http://schemas.microsoft.com/office/drawing/2014/main" id="{D09101C4-40EC-4A2F-AE9C-84A4C1F4AF3B}"/>
-              </a:ext>
-            </a:extLst>
-          </p:cNvPr>
-          <p:cNvSpPr txBox="1"/>
-          <p:nvPr/>
-        </p:nvSpPr>
-        <p:spPr>
-          <a:xfrm>
-            <a:off x="687390" y="1375502"/>
-            <a:ext cx="10997792" cy="3867918"/>
-          </a:xfrm>
-          <a:prstGeom prst="rect">
-            <a:avLst/>
-          </a:prstGeom>
-          <a:noFill/>
-        </p:spPr>
-        <p:txBody>
-          <a:bodyPr wrap="square">
-            <a:spAutoFit/>
-          </a:bodyPr>
-          <a:lstStyle/>
-          <a:p>
-            <a:pPr marL="446088" marR="883920" algn="just">
-              <a:lnSpc>
-                <a:spcPct val="107000"/>
-              </a:lnSpc>
-              <a:spcBef>
-                <a:spcPts val="925"/>
-              </a:spcBef>
-              <a:spcAft>
-                <a:spcPts val="0"/>
-              </a:spcAft>
-            </a:pPr>
-            <a:r>
-              <a:rPr lang="es-ES" dirty="0">
-                <a:effectLst/>
-                <a:ea typeface="Arial" panose="020B0604020202020204" pitchFamily="34" charset="0"/>
-              </a:rPr>
-              <a:t>Mediante la definición de un plan director de seguridad se pretende</a:t>
-            </a:r>
-            <a:r>
-              <a:rPr lang="es-ES" spc="5" dirty="0">
-                <a:effectLst/>
-                <a:ea typeface="Arial" panose="020B0604020202020204" pitchFamily="34" charset="0"/>
-              </a:rPr>
-              <a:t> </a:t>
-            </a:r>
-            <a:r>
-              <a:rPr lang="es-ES" dirty="0">
-                <a:effectLst/>
-                <a:ea typeface="Arial" panose="020B0604020202020204" pitchFamily="34" charset="0"/>
-              </a:rPr>
-              <a:t>conseguir</a:t>
-            </a:r>
-            <a:r>
-              <a:rPr lang="es-ES" spc="-35" dirty="0">
-                <a:effectLst/>
-                <a:ea typeface="Arial" panose="020B0604020202020204" pitchFamily="34" charset="0"/>
-              </a:rPr>
-              <a:t> </a:t>
-            </a:r>
-            <a:r>
-              <a:rPr lang="es-ES" dirty="0">
-                <a:effectLst/>
-                <a:ea typeface="Arial" panose="020B0604020202020204" pitchFamily="34" charset="0"/>
-              </a:rPr>
-              <a:t>el</a:t>
-            </a:r>
-            <a:r>
-              <a:rPr lang="es-ES" spc="-50" dirty="0">
-                <a:effectLst/>
-                <a:ea typeface="Arial" panose="020B0604020202020204" pitchFamily="34" charset="0"/>
-              </a:rPr>
-              <a:t> </a:t>
-            </a:r>
-            <a:r>
-              <a:rPr lang="es-ES" dirty="0">
-                <a:effectLst/>
-                <a:ea typeface="Arial" panose="020B0604020202020204" pitchFamily="34" charset="0"/>
-              </a:rPr>
-              <a:t>alineamiento</a:t>
-            </a:r>
-            <a:r>
-              <a:rPr lang="es-ES" spc="-40" dirty="0">
-                <a:effectLst/>
-                <a:ea typeface="Arial" panose="020B0604020202020204" pitchFamily="34" charset="0"/>
-              </a:rPr>
-              <a:t> </a:t>
-            </a:r>
-            <a:r>
-              <a:rPr lang="es-ES" dirty="0">
-                <a:effectLst/>
-                <a:ea typeface="Arial" panose="020B0604020202020204" pitchFamily="34" charset="0"/>
-              </a:rPr>
-              <a:t>necesario</a:t>
-            </a:r>
-            <a:r>
-              <a:rPr lang="es-ES" spc="-40" dirty="0">
-                <a:effectLst/>
-                <a:ea typeface="Arial" panose="020B0604020202020204" pitchFamily="34" charset="0"/>
-              </a:rPr>
-              <a:t> </a:t>
-            </a:r>
-            <a:r>
-              <a:rPr lang="es-ES" dirty="0">
-                <a:effectLst/>
-                <a:ea typeface="Arial" panose="020B0604020202020204" pitchFamily="34" charset="0"/>
-              </a:rPr>
-              <a:t>para</a:t>
-            </a:r>
-            <a:r>
-              <a:rPr lang="es-ES" spc="-60" dirty="0">
-                <a:effectLst/>
-                <a:ea typeface="Arial" panose="020B0604020202020204" pitchFamily="34" charset="0"/>
-              </a:rPr>
-              <a:t> </a:t>
-            </a:r>
-            <a:r>
-              <a:rPr lang="es-ES" dirty="0">
-                <a:effectLst/>
-                <a:ea typeface="Arial" panose="020B0604020202020204" pitchFamily="34" charset="0"/>
-              </a:rPr>
-              <a:t>mantener</a:t>
-            </a:r>
-            <a:r>
-              <a:rPr lang="es-ES" spc="-30" dirty="0">
-                <a:effectLst/>
-                <a:ea typeface="Arial" panose="020B0604020202020204" pitchFamily="34" charset="0"/>
-              </a:rPr>
-              <a:t> </a:t>
-            </a:r>
-            <a:r>
-              <a:rPr lang="es-ES" dirty="0">
-                <a:effectLst/>
-                <a:ea typeface="Arial" panose="020B0604020202020204" pitchFamily="34" charset="0"/>
-              </a:rPr>
-              <a:t>un</a:t>
-            </a:r>
-            <a:r>
-              <a:rPr lang="es-ES" spc="-55" dirty="0">
-                <a:effectLst/>
-                <a:ea typeface="Arial" panose="020B0604020202020204" pitchFamily="34" charset="0"/>
-              </a:rPr>
-              <a:t> </a:t>
-            </a:r>
-            <a:r>
-              <a:rPr lang="es-ES" dirty="0">
-                <a:effectLst/>
-                <a:ea typeface="Arial" panose="020B0604020202020204" pitchFamily="34" charset="0"/>
-              </a:rPr>
-              <a:t>buen</a:t>
-            </a:r>
-            <a:r>
-              <a:rPr lang="es-ES" spc="-50" dirty="0">
-                <a:effectLst/>
-                <a:ea typeface="Arial" panose="020B0604020202020204" pitchFamily="34" charset="0"/>
-              </a:rPr>
-              <a:t> </a:t>
-            </a:r>
-            <a:r>
-              <a:rPr lang="es-ES" dirty="0">
-                <a:effectLst/>
-                <a:ea typeface="Arial" panose="020B0604020202020204" pitchFamily="34" charset="0"/>
-              </a:rPr>
-              <a:t>nivel</a:t>
-            </a:r>
-            <a:r>
-              <a:rPr lang="es-ES" spc="-45" dirty="0">
-                <a:effectLst/>
-                <a:ea typeface="Arial" panose="020B0604020202020204" pitchFamily="34" charset="0"/>
-              </a:rPr>
-              <a:t> </a:t>
-            </a:r>
-            <a:r>
-              <a:rPr lang="es-ES" dirty="0">
-                <a:effectLst/>
-                <a:ea typeface="Arial" panose="020B0604020202020204" pitchFamily="34" charset="0"/>
-              </a:rPr>
-              <a:t>de</a:t>
-            </a:r>
-            <a:r>
-              <a:rPr lang="es-ES" spc="-50" dirty="0">
-                <a:effectLst/>
-                <a:ea typeface="Arial" panose="020B0604020202020204" pitchFamily="34" charset="0"/>
-              </a:rPr>
-              <a:t> </a:t>
-            </a:r>
-            <a:r>
-              <a:rPr lang="es-ES" dirty="0">
-                <a:effectLst/>
-                <a:ea typeface="Arial" panose="020B0604020202020204" pitchFamily="34" charset="0"/>
-              </a:rPr>
-              <a:t>seguridad</a:t>
-            </a:r>
-            <a:r>
-              <a:rPr lang="es-ES" spc="-295" dirty="0">
-                <a:effectLst/>
-                <a:ea typeface="Arial" panose="020B0604020202020204" pitchFamily="34" charset="0"/>
-              </a:rPr>
-              <a:t> </a:t>
-            </a:r>
-            <a:r>
-              <a:rPr lang="es-ES" dirty="0">
-                <a:effectLst/>
-                <a:ea typeface="Arial" panose="020B0604020202020204" pitchFamily="34" charset="0"/>
-              </a:rPr>
-              <a:t>tanto en el edificio principal como en el edificio secundario, consiguiendo de</a:t>
-            </a:r>
-            <a:r>
-              <a:rPr lang="es-ES" spc="5" dirty="0">
-                <a:effectLst/>
-                <a:ea typeface="Arial" panose="020B0604020202020204" pitchFamily="34" charset="0"/>
-              </a:rPr>
-              <a:t> </a:t>
-            </a:r>
-            <a:r>
-              <a:rPr lang="es-ES" dirty="0">
-                <a:effectLst/>
-                <a:ea typeface="Arial" panose="020B0604020202020204" pitchFamily="34" charset="0"/>
-              </a:rPr>
-              <a:t>esta manera que para el cliente sea transparente el emplazamiento desde el</a:t>
-            </a:r>
-            <a:r>
-              <a:rPr lang="es-ES" spc="5" dirty="0">
-                <a:effectLst/>
-                <a:ea typeface="Arial" panose="020B0604020202020204" pitchFamily="34" charset="0"/>
-              </a:rPr>
-              <a:t> </a:t>
-            </a:r>
-            <a:r>
-              <a:rPr lang="es-ES" dirty="0">
-                <a:effectLst/>
-                <a:ea typeface="Arial" panose="020B0604020202020204" pitchFamily="34" charset="0"/>
-              </a:rPr>
-              <a:t>que</a:t>
-            </a:r>
-            <a:r>
-              <a:rPr lang="es-ES" spc="-15" dirty="0">
-                <a:effectLst/>
-                <a:ea typeface="Arial" panose="020B0604020202020204" pitchFamily="34" charset="0"/>
-              </a:rPr>
-              <a:t> </a:t>
-            </a:r>
-            <a:r>
-              <a:rPr lang="es-ES" dirty="0">
-                <a:effectLst/>
-                <a:ea typeface="Arial" panose="020B0604020202020204" pitchFamily="34" charset="0"/>
-              </a:rPr>
-              <a:t>se proporciona</a:t>
-            </a:r>
-            <a:r>
-              <a:rPr lang="es-ES" spc="-5" dirty="0">
-                <a:effectLst/>
-                <a:ea typeface="Arial" panose="020B0604020202020204" pitchFamily="34" charset="0"/>
-              </a:rPr>
-              <a:t> </a:t>
-            </a:r>
-            <a:r>
-              <a:rPr lang="es-ES" dirty="0">
-                <a:effectLst/>
-                <a:ea typeface="Arial" panose="020B0604020202020204" pitchFamily="34" charset="0"/>
-              </a:rPr>
-              <a:t>el servicio.</a:t>
-            </a:r>
-            <a:endParaRPr lang="en-US" dirty="0">
-              <a:effectLst/>
-              <a:ea typeface="Arial" panose="020B0604020202020204" pitchFamily="34" charset="0"/>
-            </a:endParaRPr>
-          </a:p>
-          <a:p>
-            <a:pPr marL="446088">
-              <a:spcBef>
-                <a:spcPts val="790"/>
-              </a:spcBef>
-              <a:spcAft>
-                <a:spcPts val="0"/>
-              </a:spcAft>
-            </a:pPr>
-            <a:r>
-              <a:rPr lang="es-ES" dirty="0">
-                <a:effectLst/>
-                <a:ea typeface="Arial" panose="020B0604020202020204" pitchFamily="34" charset="0"/>
-              </a:rPr>
-              <a:t>Los</a:t>
-            </a:r>
-            <a:r>
-              <a:rPr lang="es-ES" spc="-10" dirty="0">
-                <a:effectLst/>
-                <a:ea typeface="Arial" panose="020B0604020202020204" pitchFamily="34" charset="0"/>
-              </a:rPr>
-              <a:t> </a:t>
-            </a:r>
-            <a:r>
-              <a:rPr lang="es-ES" dirty="0">
-                <a:effectLst/>
-                <a:ea typeface="Arial" panose="020B0604020202020204" pitchFamily="34" charset="0"/>
-              </a:rPr>
-              <a:t>principales</a:t>
-            </a:r>
-            <a:r>
-              <a:rPr lang="es-ES" spc="-10" dirty="0">
-                <a:effectLst/>
-                <a:ea typeface="Arial" panose="020B0604020202020204" pitchFamily="34" charset="0"/>
-              </a:rPr>
-              <a:t> </a:t>
-            </a:r>
-            <a:r>
-              <a:rPr lang="es-ES" dirty="0">
-                <a:effectLst/>
-                <a:ea typeface="Arial" panose="020B0604020202020204" pitchFamily="34" charset="0"/>
-              </a:rPr>
-              <a:t>objetivos</a:t>
-            </a:r>
-            <a:r>
-              <a:rPr lang="es-ES" spc="-10" dirty="0">
-                <a:effectLst/>
-                <a:ea typeface="Arial" panose="020B0604020202020204" pitchFamily="34" charset="0"/>
-              </a:rPr>
-              <a:t> </a:t>
-            </a:r>
-            <a:r>
-              <a:rPr lang="es-ES" dirty="0">
-                <a:effectLst/>
-                <a:ea typeface="Arial" panose="020B0604020202020204" pitchFamily="34" charset="0"/>
-              </a:rPr>
-              <a:t>a</a:t>
-            </a:r>
-            <a:r>
-              <a:rPr lang="es-ES" spc="-15" dirty="0">
-                <a:effectLst/>
-                <a:ea typeface="Arial" panose="020B0604020202020204" pitchFamily="34" charset="0"/>
-              </a:rPr>
-              <a:t> </a:t>
-            </a:r>
-            <a:r>
-              <a:rPr lang="es-ES" dirty="0">
-                <a:effectLst/>
-                <a:ea typeface="Arial" panose="020B0604020202020204" pitchFamily="34" charset="0"/>
-              </a:rPr>
-              <a:t>llevar</a:t>
-            </a:r>
-            <a:r>
-              <a:rPr lang="es-ES" spc="-5" dirty="0">
-                <a:effectLst/>
-                <a:ea typeface="Arial" panose="020B0604020202020204" pitchFamily="34" charset="0"/>
-              </a:rPr>
-              <a:t> </a:t>
-            </a:r>
-            <a:r>
-              <a:rPr lang="es-ES" dirty="0">
-                <a:effectLst/>
-                <a:ea typeface="Arial" panose="020B0604020202020204" pitchFamily="34" charset="0"/>
-              </a:rPr>
-              <a:t>a</a:t>
-            </a:r>
-            <a:r>
-              <a:rPr lang="es-ES" spc="-10" dirty="0">
-                <a:effectLst/>
-                <a:ea typeface="Arial" panose="020B0604020202020204" pitchFamily="34" charset="0"/>
-              </a:rPr>
-              <a:t> </a:t>
-            </a:r>
-            <a:r>
-              <a:rPr lang="es-ES" dirty="0">
-                <a:effectLst/>
-                <a:ea typeface="Arial" panose="020B0604020202020204" pitchFamily="34" charset="0"/>
-              </a:rPr>
-              <a:t>cabo</a:t>
-            </a:r>
-            <a:r>
-              <a:rPr lang="es-ES" spc="-25" dirty="0">
-                <a:effectLst/>
-                <a:ea typeface="Arial" panose="020B0604020202020204" pitchFamily="34" charset="0"/>
-              </a:rPr>
-              <a:t> </a:t>
-            </a:r>
-            <a:r>
-              <a:rPr lang="es-ES" dirty="0">
-                <a:effectLst/>
-                <a:ea typeface="Arial" panose="020B0604020202020204" pitchFamily="34" charset="0"/>
-              </a:rPr>
-              <a:t>serán:</a:t>
-            </a:r>
-            <a:endParaRPr lang="en-US" dirty="0">
-              <a:effectLst/>
-              <a:ea typeface="Arial" panose="020B0604020202020204" pitchFamily="34" charset="0"/>
-            </a:endParaRPr>
-          </a:p>
-          <a:p>
-            <a:pPr marL="742950" marR="882650" lvl="1" indent="-285750" algn="just">
-              <a:lnSpc>
-                <a:spcPct val="106000"/>
-              </a:lnSpc>
-              <a:spcBef>
-                <a:spcPts val="750"/>
-              </a:spcBef>
-              <a:spcAft>
-                <a:spcPts val="0"/>
-              </a:spcAft>
-              <a:buSzPts val="1100"/>
-              <a:buFont typeface="Segoe UI Symbol" panose="020B0502040204020203" pitchFamily="34" charset="0"/>
-              <a:buChar char="✓"/>
-              <a:tabLst>
-                <a:tab pos="1871345" algn="l"/>
-              </a:tabLst>
-            </a:pPr>
-            <a:r>
-              <a:rPr lang="es-ES" dirty="0">
-                <a:effectLst/>
-                <a:ea typeface="Segoe UI Symbol" panose="020B0502040204020203" pitchFamily="34" charset="0"/>
-                <a:cs typeface="Segoe UI Symbol" panose="020B0502040204020203" pitchFamily="34" charset="0"/>
-              </a:rPr>
-              <a:t>Identificar el nivel de seguridad actual del emplazamiento y la</a:t>
-            </a:r>
-            <a:r>
-              <a:rPr lang="es-ES" spc="5" dirty="0">
-                <a:effectLst/>
-                <a:ea typeface="Segoe UI Symbol" panose="020B0502040204020203" pitchFamily="34" charset="0"/>
-                <a:cs typeface="Segoe UI Symbol" panose="020B0502040204020203" pitchFamily="34" charset="0"/>
-              </a:rPr>
-              <a:t> </a:t>
-            </a:r>
-            <a:r>
-              <a:rPr lang="es-ES" dirty="0">
-                <a:effectLst/>
-                <a:ea typeface="Segoe UI Symbol" panose="020B0502040204020203" pitchFamily="34" charset="0"/>
-                <a:cs typeface="Segoe UI Symbol" panose="020B0502040204020203" pitchFamily="34" charset="0"/>
-              </a:rPr>
-              <a:t>inversión</a:t>
-            </a:r>
-            <a:r>
-              <a:rPr lang="es-ES" spc="-40" dirty="0">
-                <a:effectLst/>
-                <a:ea typeface="Segoe UI Symbol" panose="020B0502040204020203" pitchFamily="34" charset="0"/>
-                <a:cs typeface="Segoe UI Symbol" panose="020B0502040204020203" pitchFamily="34" charset="0"/>
-              </a:rPr>
-              <a:t> </a:t>
-            </a:r>
-            <a:r>
-              <a:rPr lang="es-ES" dirty="0">
-                <a:effectLst/>
-                <a:ea typeface="Segoe UI Symbol" panose="020B0502040204020203" pitchFamily="34" charset="0"/>
-                <a:cs typeface="Segoe UI Symbol" panose="020B0502040204020203" pitchFamily="34" charset="0"/>
-              </a:rPr>
-              <a:t>necesaria</a:t>
-            </a:r>
-            <a:r>
-              <a:rPr lang="es-ES" spc="-40" dirty="0">
-                <a:effectLst/>
-                <a:ea typeface="Segoe UI Symbol" panose="020B0502040204020203" pitchFamily="34" charset="0"/>
-                <a:cs typeface="Segoe UI Symbol" panose="020B0502040204020203" pitchFamily="34" charset="0"/>
-              </a:rPr>
-              <a:t> </a:t>
-            </a:r>
-            <a:r>
-              <a:rPr lang="es-ES" dirty="0">
-                <a:effectLst/>
-                <a:ea typeface="Segoe UI Symbol" panose="020B0502040204020203" pitchFamily="34" charset="0"/>
-                <a:cs typeface="Segoe UI Symbol" panose="020B0502040204020203" pitchFamily="34" charset="0"/>
-              </a:rPr>
-              <a:t>para</a:t>
-            </a:r>
-            <a:r>
-              <a:rPr lang="es-ES" spc="-45" dirty="0">
-                <a:effectLst/>
-                <a:ea typeface="Segoe UI Symbol" panose="020B0502040204020203" pitchFamily="34" charset="0"/>
-                <a:cs typeface="Segoe UI Symbol" panose="020B0502040204020203" pitchFamily="34" charset="0"/>
-              </a:rPr>
-              <a:t> </a:t>
-            </a:r>
-            <a:r>
-              <a:rPr lang="es-ES" dirty="0">
-                <a:effectLst/>
-                <a:ea typeface="Segoe UI Symbol" panose="020B0502040204020203" pitchFamily="34" charset="0"/>
-                <a:cs typeface="Segoe UI Symbol" panose="020B0502040204020203" pitchFamily="34" charset="0"/>
-              </a:rPr>
-              <a:t>que</a:t>
-            </a:r>
-            <a:r>
-              <a:rPr lang="es-ES" spc="-50" dirty="0">
-                <a:effectLst/>
-                <a:ea typeface="Segoe UI Symbol" panose="020B0502040204020203" pitchFamily="34" charset="0"/>
-                <a:cs typeface="Segoe UI Symbol" panose="020B0502040204020203" pitchFamily="34" charset="0"/>
-              </a:rPr>
-              <a:t> </a:t>
-            </a:r>
-            <a:r>
-              <a:rPr lang="es-ES" dirty="0">
-                <a:effectLst/>
-                <a:ea typeface="Segoe UI Symbol" panose="020B0502040204020203" pitchFamily="34" charset="0"/>
-                <a:cs typeface="Segoe UI Symbol" panose="020B0502040204020203" pitchFamily="34" charset="0"/>
-              </a:rPr>
-              <a:t>cumpla</a:t>
-            </a:r>
-            <a:r>
-              <a:rPr lang="es-ES" spc="-35" dirty="0">
-                <a:effectLst/>
-                <a:ea typeface="Segoe UI Symbol" panose="020B0502040204020203" pitchFamily="34" charset="0"/>
-                <a:cs typeface="Segoe UI Symbol" panose="020B0502040204020203" pitchFamily="34" charset="0"/>
-              </a:rPr>
-              <a:t> </a:t>
-            </a:r>
-            <a:r>
-              <a:rPr lang="es-ES" dirty="0">
-                <a:effectLst/>
-                <a:ea typeface="Segoe UI Symbol" panose="020B0502040204020203" pitchFamily="34" charset="0"/>
-                <a:cs typeface="Segoe UI Symbol" panose="020B0502040204020203" pitchFamily="34" charset="0"/>
-              </a:rPr>
-              <a:t>con</a:t>
-            </a:r>
-            <a:r>
-              <a:rPr lang="es-ES" spc="-50" dirty="0">
-                <a:effectLst/>
-                <a:ea typeface="Segoe UI Symbol" panose="020B0502040204020203" pitchFamily="34" charset="0"/>
-                <a:cs typeface="Segoe UI Symbol" panose="020B0502040204020203" pitchFamily="34" charset="0"/>
-              </a:rPr>
-              <a:t> </a:t>
-            </a:r>
-            <a:r>
-              <a:rPr lang="es-ES" dirty="0">
-                <a:effectLst/>
-                <a:ea typeface="Segoe UI Symbol" panose="020B0502040204020203" pitchFamily="34" charset="0"/>
-                <a:cs typeface="Segoe UI Symbol" panose="020B0502040204020203" pitchFamily="34" charset="0"/>
-              </a:rPr>
-              <a:t>las</a:t>
-            </a:r>
-            <a:r>
-              <a:rPr lang="es-ES" spc="-35" dirty="0">
-                <a:effectLst/>
-                <a:ea typeface="Segoe UI Symbol" panose="020B0502040204020203" pitchFamily="34" charset="0"/>
-                <a:cs typeface="Segoe UI Symbol" panose="020B0502040204020203" pitchFamily="34" charset="0"/>
-              </a:rPr>
-              <a:t> </a:t>
-            </a:r>
-            <a:r>
-              <a:rPr lang="es-ES" dirty="0">
-                <a:effectLst/>
-                <a:ea typeface="Segoe UI Symbol" panose="020B0502040204020203" pitchFamily="34" charset="0"/>
-                <a:cs typeface="Segoe UI Symbol" panose="020B0502040204020203" pitchFamily="34" charset="0"/>
-              </a:rPr>
-              <a:t>expectativas</a:t>
-            </a:r>
-            <a:r>
-              <a:rPr lang="es-ES" spc="-30" dirty="0">
-                <a:effectLst/>
-                <a:ea typeface="Segoe UI Symbol" panose="020B0502040204020203" pitchFamily="34" charset="0"/>
-                <a:cs typeface="Segoe UI Symbol" panose="020B0502040204020203" pitchFamily="34" charset="0"/>
-              </a:rPr>
-              <a:t> </a:t>
-            </a:r>
-            <a:r>
-              <a:rPr lang="es-ES" dirty="0">
-                <a:effectLst/>
-                <a:ea typeface="Segoe UI Symbol" panose="020B0502040204020203" pitchFamily="34" charset="0"/>
-                <a:cs typeface="Segoe UI Symbol" panose="020B0502040204020203" pitchFamily="34" charset="0"/>
-              </a:rPr>
-              <a:t>(siempre</a:t>
-            </a:r>
-            <a:r>
-              <a:rPr lang="es-ES" spc="-295" dirty="0">
-                <a:effectLst/>
-                <a:ea typeface="Segoe UI Symbol" panose="020B0502040204020203" pitchFamily="34" charset="0"/>
-                <a:cs typeface="Segoe UI Symbol" panose="020B0502040204020203" pitchFamily="34" charset="0"/>
-              </a:rPr>
-              <a:t> </a:t>
-            </a:r>
-            <a:r>
-              <a:rPr lang="es-ES" dirty="0">
-                <a:effectLst/>
-                <a:ea typeface="Segoe UI Symbol" panose="020B0502040204020203" pitchFamily="34" charset="0"/>
-                <a:cs typeface="Segoe UI Symbol" panose="020B0502040204020203" pitchFamily="34" charset="0"/>
-              </a:rPr>
-              <a:t>teniendo en cuentas las exigencias más restrictivas para no tener</a:t>
-            </a:r>
-            <a:r>
-              <a:rPr lang="es-ES" spc="5" dirty="0">
-                <a:effectLst/>
-                <a:ea typeface="Segoe UI Symbol" panose="020B0502040204020203" pitchFamily="34" charset="0"/>
-                <a:cs typeface="Segoe UI Symbol" panose="020B0502040204020203" pitchFamily="34" charset="0"/>
-              </a:rPr>
-              <a:t> </a:t>
-            </a:r>
-            <a:r>
-              <a:rPr lang="es-ES" dirty="0">
-                <a:effectLst/>
-                <a:ea typeface="Segoe UI Symbol" panose="020B0502040204020203" pitchFamily="34" charset="0"/>
-                <a:cs typeface="Segoe UI Symbol" panose="020B0502040204020203" pitchFamily="34" charset="0"/>
-              </a:rPr>
-              <a:t>problema</a:t>
-            </a:r>
-            <a:r>
-              <a:rPr lang="es-ES" spc="-10" dirty="0">
-                <a:effectLst/>
-                <a:ea typeface="Segoe UI Symbol" panose="020B0502040204020203" pitchFamily="34" charset="0"/>
-                <a:cs typeface="Segoe UI Symbol" panose="020B0502040204020203" pitchFamily="34" charset="0"/>
-              </a:rPr>
-              <a:t> </a:t>
-            </a:r>
-            <a:r>
-              <a:rPr lang="es-ES" dirty="0">
-                <a:effectLst/>
-                <a:ea typeface="Segoe UI Symbol" panose="020B0502040204020203" pitchFamily="34" charset="0"/>
-                <a:cs typeface="Segoe UI Symbol" panose="020B0502040204020203" pitchFamily="34" charset="0"/>
-              </a:rPr>
-              <a:t>con los</a:t>
-            </a:r>
-            <a:r>
-              <a:rPr lang="es-ES" spc="-15" dirty="0">
-                <a:effectLst/>
-                <a:ea typeface="Segoe UI Symbol" panose="020B0502040204020203" pitchFamily="34" charset="0"/>
-                <a:cs typeface="Segoe UI Symbol" panose="020B0502040204020203" pitchFamily="34" charset="0"/>
-              </a:rPr>
-              <a:t> </a:t>
-            </a:r>
-            <a:r>
-              <a:rPr lang="es-ES" dirty="0">
-                <a:effectLst/>
-                <a:ea typeface="Segoe UI Symbol" panose="020B0502040204020203" pitchFamily="34" charset="0"/>
-                <a:cs typeface="Segoe UI Symbol" panose="020B0502040204020203" pitchFamily="34" charset="0"/>
-              </a:rPr>
-              <a:t>clientes</a:t>
-            </a:r>
-            <a:r>
-              <a:rPr lang="es-ES" spc="5" dirty="0">
-                <a:effectLst/>
-                <a:ea typeface="Segoe UI Symbol" panose="020B0502040204020203" pitchFamily="34" charset="0"/>
-                <a:cs typeface="Segoe UI Symbol" panose="020B0502040204020203" pitchFamily="34" charset="0"/>
-              </a:rPr>
-              <a:t> </a:t>
-            </a:r>
-            <a:r>
-              <a:rPr lang="es-ES" dirty="0">
-                <a:effectLst/>
-                <a:ea typeface="Segoe UI Symbol" panose="020B0502040204020203" pitchFamily="34" charset="0"/>
-                <a:cs typeface="Segoe UI Symbol" panose="020B0502040204020203" pitchFamily="34" charset="0"/>
-              </a:rPr>
-              <a:t>más</a:t>
-            </a:r>
-            <a:r>
-              <a:rPr lang="es-ES" spc="5" dirty="0">
-                <a:effectLst/>
-                <a:ea typeface="Segoe UI Symbol" panose="020B0502040204020203" pitchFamily="34" charset="0"/>
-                <a:cs typeface="Segoe UI Symbol" panose="020B0502040204020203" pitchFamily="34" charset="0"/>
-              </a:rPr>
-              <a:t> </a:t>
-            </a:r>
-            <a:r>
-              <a:rPr lang="es-ES" dirty="0">
-                <a:effectLst/>
-                <a:ea typeface="Segoe UI Symbol" panose="020B0502040204020203" pitchFamily="34" charset="0"/>
-                <a:cs typeface="Segoe UI Symbol" panose="020B0502040204020203" pitchFamily="34" charset="0"/>
-              </a:rPr>
-              <a:t>exigentes).</a:t>
-            </a:r>
-            <a:endParaRPr lang="en-US" dirty="0">
-              <a:effectLst/>
-              <a:ea typeface="Segoe UI Symbol" panose="020B0502040204020203" pitchFamily="34" charset="0"/>
-              <a:cs typeface="Segoe UI Symbol" panose="020B0502040204020203" pitchFamily="34" charset="0"/>
-            </a:endParaRPr>
-          </a:p>
-          <a:p>
-            <a:pPr marL="742950" marR="883920" lvl="1" indent="-285750" algn="just">
-              <a:lnSpc>
-                <a:spcPct val="105000"/>
-              </a:lnSpc>
-              <a:spcBef>
-                <a:spcPts val="630"/>
-              </a:spcBef>
-              <a:spcAft>
-                <a:spcPts val="0"/>
-              </a:spcAft>
-              <a:buSzPts val="1100"/>
-              <a:buFont typeface="Segoe UI Symbol" panose="020B0502040204020203" pitchFamily="34" charset="0"/>
-              <a:buChar char="✓"/>
-              <a:tabLst>
-                <a:tab pos="1871345" algn="l"/>
-              </a:tabLst>
-            </a:pPr>
-            <a:r>
-              <a:rPr lang="es-ES" dirty="0">
-                <a:effectLst/>
-                <a:ea typeface="Segoe UI Symbol" panose="020B0502040204020203" pitchFamily="34" charset="0"/>
-                <a:cs typeface="Segoe UI Symbol" panose="020B0502040204020203" pitchFamily="34" charset="0"/>
-              </a:rPr>
-              <a:t>Implementación y seguimiento adecuado del plan generado para</a:t>
-            </a:r>
-            <a:r>
-              <a:rPr lang="es-ES" spc="5" dirty="0">
-                <a:effectLst/>
-                <a:ea typeface="Segoe UI Symbol" panose="020B0502040204020203" pitchFamily="34" charset="0"/>
-                <a:cs typeface="Segoe UI Symbol" panose="020B0502040204020203" pitchFamily="34" charset="0"/>
-              </a:rPr>
-              <a:t> </a:t>
-            </a:r>
-            <a:r>
-              <a:rPr lang="es-ES" dirty="0">
-                <a:effectLst/>
-                <a:ea typeface="Segoe UI Symbol" panose="020B0502040204020203" pitchFamily="34" charset="0"/>
-                <a:cs typeface="Segoe UI Symbol" panose="020B0502040204020203" pitchFamily="34" charset="0"/>
-              </a:rPr>
-              <a:t>que</a:t>
-            </a:r>
-            <a:r>
-              <a:rPr lang="es-ES" spc="5" dirty="0">
-                <a:effectLst/>
-                <a:ea typeface="Segoe UI Symbol" panose="020B0502040204020203" pitchFamily="34" charset="0"/>
-                <a:cs typeface="Segoe UI Symbol" panose="020B0502040204020203" pitchFamily="34" charset="0"/>
-              </a:rPr>
-              <a:t> </a:t>
-            </a:r>
-            <a:r>
-              <a:rPr lang="es-ES" dirty="0">
-                <a:effectLst/>
-                <a:ea typeface="Segoe UI Symbol" panose="020B0502040204020203" pitchFamily="34" charset="0"/>
-                <a:cs typeface="Segoe UI Symbol" panose="020B0502040204020203" pitchFamily="34" charset="0"/>
-              </a:rPr>
-              <a:t>se</a:t>
-            </a:r>
-            <a:r>
-              <a:rPr lang="es-ES" spc="5" dirty="0">
-                <a:effectLst/>
-                <a:ea typeface="Segoe UI Symbol" panose="020B0502040204020203" pitchFamily="34" charset="0"/>
-                <a:cs typeface="Segoe UI Symbol" panose="020B0502040204020203" pitchFamily="34" charset="0"/>
-              </a:rPr>
-              <a:t> </a:t>
-            </a:r>
-            <a:r>
-              <a:rPr lang="es-ES" dirty="0">
-                <a:effectLst/>
-                <a:ea typeface="Segoe UI Symbol" panose="020B0502040204020203" pitchFamily="34" charset="0"/>
-                <a:cs typeface="Segoe UI Symbol" panose="020B0502040204020203" pitchFamily="34" charset="0"/>
-              </a:rPr>
-              <a:t>siga</a:t>
-            </a:r>
-            <a:r>
-              <a:rPr lang="es-ES" spc="5" dirty="0">
-                <a:effectLst/>
-                <a:ea typeface="Segoe UI Symbol" panose="020B0502040204020203" pitchFamily="34" charset="0"/>
-                <a:cs typeface="Segoe UI Symbol" panose="020B0502040204020203" pitchFamily="34" charset="0"/>
-              </a:rPr>
-              <a:t> </a:t>
-            </a:r>
-            <a:r>
-              <a:rPr lang="es-ES" dirty="0">
-                <a:effectLst/>
-                <a:ea typeface="Segoe UI Symbol" panose="020B0502040204020203" pitchFamily="34" charset="0"/>
-                <a:cs typeface="Segoe UI Symbol" panose="020B0502040204020203" pitchFamily="34" charset="0"/>
-              </a:rPr>
-              <a:t>correctamente</a:t>
-            </a:r>
-            <a:r>
-              <a:rPr lang="es-ES" spc="5" dirty="0">
-                <a:effectLst/>
-                <a:ea typeface="Segoe UI Symbol" panose="020B0502040204020203" pitchFamily="34" charset="0"/>
-                <a:cs typeface="Segoe UI Symbol" panose="020B0502040204020203" pitchFamily="34" charset="0"/>
-              </a:rPr>
-              <a:t> </a:t>
-            </a:r>
-            <a:r>
-              <a:rPr lang="es-ES" dirty="0">
-                <a:effectLst/>
-                <a:ea typeface="Segoe UI Symbol" panose="020B0502040204020203" pitchFamily="34" charset="0"/>
-                <a:cs typeface="Segoe UI Symbol" panose="020B0502040204020203" pitchFamily="34" charset="0"/>
-              </a:rPr>
-              <a:t>el</a:t>
-            </a:r>
-            <a:r>
-              <a:rPr lang="es-ES" spc="5" dirty="0">
-                <a:effectLst/>
-                <a:ea typeface="Segoe UI Symbol" panose="020B0502040204020203" pitchFamily="34" charset="0"/>
-                <a:cs typeface="Segoe UI Symbol" panose="020B0502040204020203" pitchFamily="34" charset="0"/>
-              </a:rPr>
-              <a:t> </a:t>
-            </a:r>
-            <a:r>
-              <a:rPr lang="es-ES" dirty="0">
-                <a:effectLst/>
-                <a:ea typeface="Segoe UI Symbol" panose="020B0502040204020203" pitchFamily="34" charset="0"/>
-                <a:cs typeface="Segoe UI Symbol" panose="020B0502040204020203" pitchFamily="34" charset="0"/>
-              </a:rPr>
-              <a:t>ciclo</a:t>
-            </a:r>
-            <a:r>
-              <a:rPr lang="es-ES" spc="5" dirty="0">
-                <a:effectLst/>
-                <a:ea typeface="Segoe UI Symbol" panose="020B0502040204020203" pitchFamily="34" charset="0"/>
-                <a:cs typeface="Segoe UI Symbol" panose="020B0502040204020203" pitchFamily="34" charset="0"/>
-              </a:rPr>
-              <a:t> </a:t>
-            </a:r>
-            <a:r>
-              <a:rPr lang="es-ES" dirty="0">
-                <a:effectLst/>
-                <a:ea typeface="Segoe UI Symbol" panose="020B0502040204020203" pitchFamily="34" charset="0"/>
-                <a:cs typeface="Segoe UI Symbol" panose="020B0502040204020203" pitchFamily="34" charset="0"/>
-              </a:rPr>
-              <a:t>de</a:t>
-            </a:r>
-            <a:r>
-              <a:rPr lang="es-ES" spc="5" dirty="0">
-                <a:effectLst/>
-                <a:ea typeface="Segoe UI Symbol" panose="020B0502040204020203" pitchFamily="34" charset="0"/>
-                <a:cs typeface="Segoe UI Symbol" panose="020B0502040204020203" pitchFamily="34" charset="0"/>
-              </a:rPr>
-              <a:t> </a:t>
-            </a:r>
-            <a:r>
-              <a:rPr lang="es-ES" dirty="0">
-                <a:effectLst/>
-                <a:ea typeface="Segoe UI Symbol" panose="020B0502040204020203" pitchFamily="34" charset="0"/>
-                <a:cs typeface="Segoe UI Symbol" panose="020B0502040204020203" pitchFamily="34" charset="0"/>
-              </a:rPr>
-              <a:t>la</a:t>
-            </a:r>
-            <a:r>
-              <a:rPr lang="es-ES" spc="5" dirty="0">
-                <a:effectLst/>
-                <a:ea typeface="Segoe UI Symbol" panose="020B0502040204020203" pitchFamily="34" charset="0"/>
-                <a:cs typeface="Segoe UI Symbol" panose="020B0502040204020203" pitchFamily="34" charset="0"/>
-              </a:rPr>
-              <a:t> </a:t>
-            </a:r>
-            <a:r>
-              <a:rPr lang="es-ES" dirty="0">
-                <a:effectLst/>
-                <a:ea typeface="Segoe UI Symbol" panose="020B0502040204020203" pitchFamily="34" charset="0"/>
-                <a:cs typeface="Segoe UI Symbol" panose="020B0502040204020203" pitchFamily="34" charset="0"/>
-              </a:rPr>
-              <a:t>mejora</a:t>
-            </a:r>
-            <a:r>
-              <a:rPr lang="es-ES" spc="5" dirty="0">
-                <a:effectLst/>
-                <a:ea typeface="Segoe UI Symbol" panose="020B0502040204020203" pitchFamily="34" charset="0"/>
-                <a:cs typeface="Segoe UI Symbol" panose="020B0502040204020203" pitchFamily="34" charset="0"/>
-              </a:rPr>
-              <a:t> </a:t>
-            </a:r>
-            <a:r>
-              <a:rPr lang="es-ES" dirty="0">
-                <a:effectLst/>
-                <a:ea typeface="Segoe UI Symbol" panose="020B0502040204020203" pitchFamily="34" charset="0"/>
-                <a:cs typeface="Segoe UI Symbol" panose="020B0502040204020203" pitchFamily="34" charset="0"/>
-              </a:rPr>
-              <a:t>continua</a:t>
-            </a:r>
-            <a:r>
-              <a:rPr lang="es-ES" spc="5" dirty="0">
-                <a:effectLst/>
-                <a:ea typeface="Segoe UI Symbol" panose="020B0502040204020203" pitchFamily="34" charset="0"/>
-                <a:cs typeface="Segoe UI Symbol" panose="020B0502040204020203" pitchFamily="34" charset="0"/>
-              </a:rPr>
-              <a:t> </a:t>
-            </a:r>
-            <a:r>
-              <a:rPr lang="es-ES" dirty="0">
-                <a:effectLst/>
-                <a:ea typeface="Segoe UI Symbol" panose="020B0502040204020203" pitchFamily="34" charset="0"/>
-                <a:cs typeface="Segoe UI Symbol" panose="020B0502040204020203" pitchFamily="34" charset="0"/>
-              </a:rPr>
-              <a:t>del</a:t>
-            </a:r>
-            <a:r>
-              <a:rPr lang="es-ES" spc="5" dirty="0">
-                <a:effectLst/>
-                <a:ea typeface="Segoe UI Symbol" panose="020B0502040204020203" pitchFamily="34" charset="0"/>
-                <a:cs typeface="Segoe UI Symbol" panose="020B0502040204020203" pitchFamily="34" charset="0"/>
-              </a:rPr>
-              <a:t> </a:t>
-            </a:r>
-            <a:r>
-              <a:rPr lang="es-ES" dirty="0">
-                <a:effectLst/>
-                <a:ea typeface="Segoe UI Symbol" panose="020B0502040204020203" pitchFamily="34" charset="0"/>
-                <a:cs typeface="Segoe UI Symbol" panose="020B0502040204020203" pitchFamily="34" charset="0"/>
-              </a:rPr>
-              <a:t>sistema.</a:t>
-            </a:r>
-            <a:endParaRPr lang="en-US" dirty="0">
-              <a:effectLst/>
-              <a:ea typeface="Segoe UI Symbol" panose="020B0502040204020203" pitchFamily="34" charset="0"/>
-              <a:cs typeface="Segoe UI Symbol" panose="020B0502040204020203" pitchFamily="34" charset="0"/>
-            </a:endParaRPr>
-          </a:p>
-        </p:txBody>
-      </p:sp>
-    </p:spTree>
-    <p:extLst>
-      <p:ext uri="{BB962C8B-B14F-4D97-AF65-F5344CB8AC3E}">
-        <p14:creationId xmlns:p14="http://schemas.microsoft.com/office/powerpoint/2010/main" val="828465746"/>
-      </p:ext>
-    </p:extLst>
-  </p:cSld>
-  <p:clrMapOvr>
-    <a:masterClrMapping/>
-  </p:clrMapOvr>
-</p:sld>
-</file>
-
-<file path=ppt/slides/slide7.xml><?xml version="1.0" encoding="utf-8"?>
-<p:sld xmlns:a="http://schemas.openxmlformats.org/drawingml/2006/main" xmlns:r="http://schemas.openxmlformats.org/officeDocument/2006/relationships" xmlns:p="http://schemas.openxmlformats.org/presentationml/2006/main">
-  <p:cSld>
-    <p:spTree>
-      <p:nvGrpSpPr>
-        <p:cNvPr id="1" name=""/>
-        <p:cNvGrpSpPr/>
-        <p:nvPr/>
-      </p:nvGrpSpPr>
-      <p:grpSpPr>
-        <a:xfrm>
-          <a:off x="0" y="0"/>
-          <a:ext cx="0" cy="0"/>
-          <a:chOff x="0" y="0"/>
-          <a:chExt cx="0" cy="0"/>
-        </a:xfrm>
-      </p:grpSpPr>
-      <p:sp>
-        <p:nvSpPr>
-          <p:cNvPr id="6" name="Title 1">
-            <a:extLst>
-              <a:ext uri="{FF2B5EF4-FFF2-40B4-BE49-F238E27FC236}">
-                <a16:creationId xmlns:a16="http://schemas.microsoft.com/office/drawing/2014/main" id="{18203E63-612D-46AF-B2BC-2C1FF2ECE589}"/>
-              </a:ext>
-            </a:extLst>
-          </p:cNvPr>
-          <p:cNvSpPr txBox="1">
-            <a:spLocks/>
-          </p:cNvSpPr>
-          <p:nvPr/>
-        </p:nvSpPr>
-        <p:spPr>
-          <a:xfrm>
-            <a:off x="2309832" y="366863"/>
-            <a:ext cx="6582973" cy="420919"/>
-          </a:xfrm>
-          <a:prstGeom prst="rect">
-            <a:avLst/>
-          </a:prstGeom>
-        </p:spPr>
-        <p:txBody>
-          <a:bodyPr vert="horz" lIns="91440" tIns="45720" rIns="91440" bIns="45720" rtlCol="0" anchor="t">
-            <a:normAutofit fontScale="97500"/>
-          </a:bodyPr>
-          <a:lstStyle>
-            <a:lvl1pPr algn="l" defTabSz="457200" rtl="0" eaLnBrk="1" latinLnBrk="0" hangingPunct="1">
-              <a:spcBef>
-                <a:spcPct val="0"/>
-              </a:spcBef>
-              <a:buNone/>
-              <a:defRPr sz="3600" kern="1200">
-                <a:solidFill>
-                  <a:schemeClr val="tx1">
-                    <a:lumMod val="85000"/>
-                    <a:lumOff val="15000"/>
-                  </a:schemeClr>
-                </a:solidFill>
-                <a:latin typeface="+mj-lt"/>
-                <a:ea typeface="+mj-ea"/>
-                <a:cs typeface="+mj-cs"/>
-              </a:defRPr>
-            </a:lvl1pPr>
-            <a:lvl2pPr eaLnBrk="1" hangingPunct="1">
-              <a:defRPr>
-                <a:solidFill>
-                  <a:schemeClr val="tx2"/>
-                </a:solidFill>
-              </a:defRPr>
-            </a:lvl2pPr>
-            <a:lvl3pPr eaLnBrk="1" hangingPunct="1">
-              <a:defRPr>
-                <a:solidFill>
-                  <a:schemeClr val="tx2"/>
-                </a:solidFill>
-              </a:defRPr>
-            </a:lvl3pPr>
-            <a:lvl4pPr eaLnBrk="1" hangingPunct="1">
-              <a:defRPr>
-                <a:solidFill>
-                  <a:schemeClr val="tx2"/>
-                </a:solidFill>
-              </a:defRPr>
-            </a:lvl4pPr>
-            <a:lvl5pPr eaLnBrk="1" hangingPunct="1">
-              <a:defRPr>
-                <a:solidFill>
-                  <a:schemeClr val="tx2"/>
-                </a:solidFill>
-              </a:defRPr>
-            </a:lvl5pPr>
-            <a:lvl6pPr eaLnBrk="1" hangingPunct="1">
-              <a:defRPr>
-                <a:solidFill>
-                  <a:schemeClr val="tx2"/>
-                </a:solidFill>
-              </a:defRPr>
-            </a:lvl6pPr>
-            <a:lvl7pPr eaLnBrk="1" hangingPunct="1">
-              <a:defRPr>
-                <a:solidFill>
-                  <a:schemeClr val="tx2"/>
-                </a:solidFill>
-              </a:defRPr>
-            </a:lvl7pPr>
-            <a:lvl8pPr eaLnBrk="1" hangingPunct="1">
-              <a:defRPr>
-                <a:solidFill>
-                  <a:schemeClr val="tx2"/>
-                </a:solidFill>
-              </a:defRPr>
-            </a:lvl8pPr>
-            <a:lvl9pPr eaLnBrk="1" hangingPunct="1">
-              <a:defRPr>
-                <a:solidFill>
-                  <a:schemeClr val="tx2"/>
-                </a:solidFill>
-              </a:defRPr>
-            </a:lvl9pPr>
-          </a:lstStyle>
-          <a:p>
-            <a:r>
-              <a:rPr lang="es-ES" sz="1800" dirty="0">
-                <a:solidFill>
-                  <a:schemeClr val="accent3">
-                    <a:lumMod val="60000"/>
-                    <a:lumOff val="40000"/>
-                  </a:schemeClr>
-                </a:solidFill>
-                <a:effectLst/>
-                <a:latin typeface="Tahoma" panose="020B0604030504040204" pitchFamily="34" charset="0"/>
-                <a:ea typeface="Tahoma" panose="020B0604030504040204" pitchFamily="34" charset="0"/>
-              </a:rPr>
-              <a:t>Proceso</a:t>
-            </a:r>
-            <a:r>
-              <a:rPr lang="es-ES" sz="1800" spc="-20" dirty="0">
-                <a:solidFill>
-                  <a:schemeClr val="accent3">
-                    <a:lumMod val="60000"/>
-                    <a:lumOff val="40000"/>
-                  </a:schemeClr>
-                </a:solidFill>
-                <a:effectLst/>
-                <a:latin typeface="Tahoma" panose="020B0604030504040204" pitchFamily="34" charset="0"/>
-                <a:ea typeface="Tahoma" panose="020B0604030504040204" pitchFamily="34" charset="0"/>
-              </a:rPr>
-              <a:t> </a:t>
-            </a:r>
-            <a:r>
-              <a:rPr lang="es-ES" sz="1800" dirty="0">
-                <a:solidFill>
-                  <a:schemeClr val="accent3">
-                    <a:lumMod val="60000"/>
-                    <a:lumOff val="40000"/>
-                  </a:schemeClr>
-                </a:solidFill>
-                <a:effectLst/>
-                <a:latin typeface="Tahoma" panose="020B0604030504040204" pitchFamily="34" charset="0"/>
-                <a:ea typeface="Tahoma" panose="020B0604030504040204" pitchFamily="34" charset="0"/>
-              </a:rPr>
-              <a:t>implantación</a:t>
-            </a:r>
-            <a:r>
-              <a:rPr lang="es-ES" sz="1800" spc="-25" dirty="0">
-                <a:solidFill>
-                  <a:schemeClr val="accent3">
-                    <a:lumMod val="60000"/>
-                    <a:lumOff val="40000"/>
-                  </a:schemeClr>
-                </a:solidFill>
-                <a:effectLst/>
-                <a:latin typeface="Tahoma" panose="020B0604030504040204" pitchFamily="34" charset="0"/>
-                <a:ea typeface="Tahoma" panose="020B0604030504040204" pitchFamily="34" charset="0"/>
-              </a:rPr>
-              <a:t> </a:t>
-            </a:r>
-            <a:r>
-              <a:rPr lang="es-ES" sz="1800" dirty="0">
-                <a:solidFill>
-                  <a:schemeClr val="accent3">
-                    <a:lumMod val="60000"/>
-                    <a:lumOff val="40000"/>
-                  </a:schemeClr>
-                </a:solidFill>
-                <a:effectLst/>
-                <a:latin typeface="Tahoma" panose="020B0604030504040204" pitchFamily="34" charset="0"/>
-                <a:ea typeface="Tahoma" panose="020B0604030504040204" pitchFamily="34" charset="0"/>
-              </a:rPr>
-              <a:t>ISO/IEC</a:t>
-            </a:r>
-            <a:r>
-              <a:rPr lang="es-ES" sz="1800" spc="-20" dirty="0">
-                <a:solidFill>
-                  <a:schemeClr val="accent3">
-                    <a:lumMod val="60000"/>
-                    <a:lumOff val="40000"/>
-                  </a:schemeClr>
-                </a:solidFill>
-                <a:effectLst/>
-                <a:latin typeface="Tahoma" panose="020B0604030504040204" pitchFamily="34" charset="0"/>
-                <a:ea typeface="Tahoma" panose="020B0604030504040204" pitchFamily="34" charset="0"/>
-              </a:rPr>
-              <a:t> </a:t>
-            </a:r>
-            <a:r>
-              <a:rPr lang="es-ES" sz="1800" dirty="0">
-                <a:solidFill>
-                  <a:schemeClr val="accent3">
-                    <a:lumMod val="60000"/>
-                    <a:lumOff val="40000"/>
-                  </a:schemeClr>
-                </a:solidFill>
-                <a:effectLst/>
-                <a:latin typeface="Tahoma" panose="020B0604030504040204" pitchFamily="34" charset="0"/>
-                <a:ea typeface="Tahoma" panose="020B0604030504040204" pitchFamily="34" charset="0"/>
-              </a:rPr>
-              <a:t>27001:2013</a:t>
-            </a:r>
-            <a:endParaRPr lang="es-ES" dirty="0">
-              <a:solidFill>
-                <a:schemeClr val="accent3">
-                  <a:lumMod val="60000"/>
-                  <a:lumOff val="40000"/>
-                </a:schemeClr>
-              </a:solidFill>
-              <a:latin typeface="+mj-lt"/>
-            </a:endParaRPr>
-          </a:p>
-        </p:txBody>
-      </p:sp>
-      <p:sp>
-        <p:nvSpPr>
-          <p:cNvPr id="4" name="Date Placeholder 3">
-            <a:extLst>
-              <a:ext uri="{FF2B5EF4-FFF2-40B4-BE49-F238E27FC236}">
-                <a16:creationId xmlns:a16="http://schemas.microsoft.com/office/drawing/2014/main" id="{9994BA93-3287-435C-BA46-93BD5593C557}"/>
-              </a:ext>
-            </a:extLst>
-          </p:cNvPr>
-          <p:cNvSpPr>
-            <a:spLocks noGrp="1"/>
-          </p:cNvSpPr>
-          <p:nvPr>
-            <p:ph type="dt" sz="half" idx="10"/>
-          </p:nvPr>
-        </p:nvSpPr>
-        <p:spPr/>
-        <p:txBody>
-          <a:bodyPr/>
-          <a:lstStyle/>
-          <a:p>
-            <a:fld id="{81DF35F2-CCDE-4234-94E3-1868F61113A0}" type="datetime5">
-              <a:rPr lang="en-US" smtClean="0"/>
-              <a:t>20-Jan-22</a:t>
-            </a:fld>
-            <a:endParaRPr lang="en-US"/>
-          </a:p>
-        </p:txBody>
-      </p:sp>
-      <p:sp>
-        <p:nvSpPr>
-          <p:cNvPr id="2" name="Footer Placeholder 1">
-            <a:extLst>
-              <a:ext uri="{FF2B5EF4-FFF2-40B4-BE49-F238E27FC236}">
-                <a16:creationId xmlns:a16="http://schemas.microsoft.com/office/drawing/2014/main" id="{9A0EFA10-FEF8-41E7-936B-5B56EA55F6FE}"/>
-              </a:ext>
-            </a:extLst>
-          </p:cNvPr>
-          <p:cNvSpPr>
-            <a:spLocks noGrp="1"/>
-          </p:cNvSpPr>
-          <p:nvPr>
-            <p:ph type="ftr" sz="quarter" idx="11"/>
-          </p:nvPr>
-        </p:nvSpPr>
-        <p:spPr>
-          <a:xfrm>
-            <a:off x="5858116" y="6336536"/>
-            <a:ext cx="5938836" cy="309201"/>
-          </a:xfrm>
-        </p:spPr>
-        <p:txBody>
-          <a:bodyPr/>
-          <a:lstStyle/>
-          <a:p>
-            <a:r>
-              <a:rPr lang="en-US" dirty="0" err="1"/>
-              <a:t>Curso</a:t>
-            </a:r>
-            <a:r>
-              <a:rPr lang="en-US" dirty="0"/>
-              <a:t> </a:t>
-            </a:r>
-            <a:r>
-              <a:rPr lang="en-US" dirty="0" err="1"/>
-              <a:t>ciberseguridad</a:t>
-            </a:r>
-            <a:r>
-              <a:rPr lang="en-US" dirty="0"/>
-              <a:t> por José Manuel Aroca Fernández</a:t>
-            </a:r>
-          </a:p>
-        </p:txBody>
-      </p:sp>
-      <p:sp>
-        <p:nvSpPr>
-          <p:cNvPr id="3" name="Slide Number Placeholder 2">
-            <a:extLst>
-              <a:ext uri="{FF2B5EF4-FFF2-40B4-BE49-F238E27FC236}">
-                <a16:creationId xmlns:a16="http://schemas.microsoft.com/office/drawing/2014/main" id="{6AF96B14-207F-4996-BE05-EEDF1684F382}"/>
-              </a:ext>
-            </a:extLst>
-          </p:cNvPr>
-          <p:cNvSpPr>
-            <a:spLocks noGrp="1"/>
-          </p:cNvSpPr>
-          <p:nvPr>
-            <p:ph type="sldNum" sz="quarter" idx="12"/>
-          </p:nvPr>
-        </p:nvSpPr>
-        <p:spPr/>
-        <p:txBody>
-          <a:bodyPr/>
-          <a:lstStyle/>
-          <a:p>
-            <a:fld id="{8F34BD62-A3D8-4E3F-A0E8-047DDC77FB8A}" type="slidenum">
-              <a:rPr lang="en-US" smtClean="0"/>
-              <a:t>7</a:t>
             </a:fld>
             <a:endParaRPr lang="en-US"/>
           </a:p>

--- a/Apuntes/Ejercicio ISO27001.pptx
+++ b/Apuntes/Ejercicio ISO27001.pptx
@@ -11,6 +11,7 @@
     <p:sldId id="605" r:id="rId5"/>
     <p:sldId id="606" r:id="rId6"/>
     <p:sldId id="607" r:id="rId7"/>
+    <p:sldId id="608" r:id="rId8"/>
   </p:sldIdLst>
   <p:sldSz cx="12192000" cy="6858000"/>
   <p:notesSz cx="6858000" cy="9144000"/>
@@ -256,7 +257,7 @@
           <a:p>
             <a:fld id="{48A87A34-81AB-432B-8DAE-1953F412C126}" type="datetimeFigureOut">
               <a:rPr lang="en-US" dirty="0"/>
-              <a:t>1/20/2022</a:t>
+              <a:t>1/21/2022</a:t>
             </a:fld>
             <a:endParaRPr lang="en-US" dirty="0"/>
           </a:p>
@@ -462,7 +463,7 @@
           <a:p>
             <a:fld id="{48A87A34-81AB-432B-8DAE-1953F412C126}" type="datetimeFigureOut">
               <a:rPr lang="en-US" dirty="0"/>
-              <a:t>1/20/2022</a:t>
+              <a:t>1/21/2022</a:t>
             </a:fld>
             <a:endParaRPr lang="en-US" dirty="0"/>
           </a:p>
@@ -672,7 +673,7 @@
           <a:p>
             <a:fld id="{48A87A34-81AB-432B-8DAE-1953F412C126}" type="datetimeFigureOut">
               <a:rPr lang="en-US" dirty="0"/>
-              <a:t>1/20/2022</a:t>
+              <a:t>1/21/2022</a:t>
             </a:fld>
             <a:endParaRPr lang="en-US" dirty="0"/>
           </a:p>
@@ -868,7 +869,7 @@
           <a:p>
             <a:fld id="{48A87A34-81AB-432B-8DAE-1953F412C126}" type="datetimeFigureOut">
               <a:rPr lang="en-US" dirty="0"/>
-              <a:t>1/20/2022</a:t>
+              <a:t>1/21/2022</a:t>
             </a:fld>
             <a:endParaRPr lang="en-US" dirty="0"/>
           </a:p>
@@ -1142,7 +1143,7 @@
           <a:p>
             <a:fld id="{48A87A34-81AB-432B-8DAE-1953F412C126}" type="datetimeFigureOut">
               <a:rPr lang="en-US" dirty="0"/>
-              <a:t>1/20/2022</a:t>
+              <a:t>1/21/2022</a:t>
             </a:fld>
             <a:endParaRPr lang="en-US" dirty="0"/>
           </a:p>
@@ -1405,7 +1406,7 @@
           <a:p>
             <a:fld id="{48A87A34-81AB-432B-8DAE-1953F412C126}" type="datetimeFigureOut">
               <a:rPr lang="en-US" dirty="0"/>
-              <a:t>1/20/2022</a:t>
+              <a:t>1/21/2022</a:t>
             </a:fld>
             <a:endParaRPr lang="en-US" dirty="0"/>
           </a:p>
@@ -1816,7 +1817,7 @@
           <a:p>
             <a:fld id="{48A87A34-81AB-432B-8DAE-1953F412C126}" type="datetimeFigureOut">
               <a:rPr lang="en-US" dirty="0"/>
-              <a:t>1/20/2022</a:t>
+              <a:t>1/21/2022</a:t>
             </a:fld>
             <a:endParaRPr lang="en-US" dirty="0"/>
           </a:p>
@@ -1960,7 +1961,7 @@
           <a:p>
             <a:fld id="{48A87A34-81AB-432B-8DAE-1953F412C126}" type="datetimeFigureOut">
               <a:rPr lang="en-US" dirty="0"/>
-              <a:t>1/20/2022</a:t>
+              <a:t>1/21/2022</a:t>
             </a:fld>
             <a:endParaRPr lang="en-US" dirty="0"/>
           </a:p>
@@ -2081,7 +2082,7 @@
           <a:p>
             <a:fld id="{48A87A34-81AB-432B-8DAE-1953F412C126}" type="datetimeFigureOut">
               <a:rPr lang="en-US" dirty="0"/>
-              <a:t>1/20/2022</a:t>
+              <a:t>1/21/2022</a:t>
             </a:fld>
             <a:endParaRPr lang="en-US" dirty="0"/>
           </a:p>
@@ -2327,7 +2328,7 @@
           <a:p>
             <a:fld id="{48A87A34-81AB-432B-8DAE-1953F412C126}" type="datetimeFigureOut">
               <a:rPr lang="en-US" dirty="0"/>
-              <a:t>1/20/2022</a:t>
+              <a:t>1/21/2022</a:t>
             </a:fld>
             <a:endParaRPr lang="en-US" dirty="0"/>
           </a:p>
@@ -2768,7 +2769,7 @@
             <a:fld id="{48A87A34-81AB-432B-8DAE-1953F412C126}" type="datetimeFigureOut">
               <a:rPr lang="en-US" dirty="0"/>
               <a:pPr/>
-              <a:t>1/20/2022</a:t>
+              <a:t>1/21/2022</a:t>
             </a:fld>
             <a:endParaRPr lang="en-US" dirty="0"/>
           </a:p>
@@ -3091,7 +3092,7 @@
             <a:fld id="{48A87A34-81AB-432B-8DAE-1953F412C126}" type="datetimeFigureOut">
               <a:rPr lang="en-US" dirty="0"/>
               <a:pPr/>
-              <a:t>1/20/2022</a:t>
+              <a:t>1/21/2022</a:t>
             </a:fld>
             <a:endParaRPr lang="en-US" dirty="0"/>
           </a:p>
@@ -3903,7 +3904,7 @@
           <a:p>
             <a:fld id="{81DF35F2-CCDE-4234-94E3-1868F61113A0}" type="datetime5">
               <a:rPr lang="en-US" smtClean="0"/>
-              <a:t>20-Jan-22</a:t>
+              <a:t>21-Jan-22</a:t>
             </a:fld>
             <a:endParaRPr lang="en-US"/>
           </a:p>
@@ -4372,7 +4373,7 @@
           <a:p>
             <a:fld id="{81DF35F2-CCDE-4234-94E3-1868F61113A0}" type="datetime5">
               <a:rPr lang="en-US" smtClean="0"/>
-              <a:t>20-Jan-22</a:t>
+              <a:t>21-Jan-22</a:t>
             </a:fld>
             <a:endParaRPr lang="en-US"/>
           </a:p>
@@ -6792,7 +6793,7 @@
           <a:p>
             <a:fld id="{81DF35F2-CCDE-4234-94E3-1868F61113A0}" type="datetime5">
               <a:rPr lang="en-US" smtClean="0"/>
-              <a:t>20-Jan-22</a:t>
+              <a:t>21-Jan-22</a:t>
             </a:fld>
             <a:endParaRPr lang="en-US"/>
           </a:p>
@@ -7642,7 +7643,7 @@
           <a:p>
             <a:fld id="{81DF35F2-CCDE-4234-94E3-1868F61113A0}" type="datetime5">
               <a:rPr lang="en-US" smtClean="0"/>
-              <a:t>20-Jan-22</a:t>
+              <a:t>21-Jan-22</a:t>
             </a:fld>
             <a:endParaRPr lang="en-US"/>
           </a:p>
@@ -9168,7 +9169,7 @@
           <a:p>
             <a:fld id="{81DF35F2-CCDE-4234-94E3-1868F61113A0}" type="datetime5">
               <a:rPr lang="en-US" smtClean="0"/>
-              <a:t>20-Jan-22</a:t>
+              <a:t>21-Jan-22</a:t>
             </a:fld>
             <a:endParaRPr lang="en-US"/>
           </a:p>
@@ -10951,6 +10952,722 @@
     <p:extLst>
       <p:ext uri="{BB962C8B-B14F-4D97-AF65-F5344CB8AC3E}">
         <p14:creationId xmlns:p14="http://schemas.microsoft.com/office/powerpoint/2010/main" val="2488850875"/>
+      </p:ext>
+    </p:extLst>
+  </p:cSld>
+  <p:clrMapOvr>
+    <a:masterClrMapping/>
+  </p:clrMapOvr>
+</p:sld>
+</file>
+
+<file path=ppt/slides/slide7.xml><?xml version="1.0" encoding="utf-8"?>
+<p:sld xmlns:a="http://schemas.openxmlformats.org/drawingml/2006/main" xmlns:r="http://schemas.openxmlformats.org/officeDocument/2006/relationships" xmlns:p="http://schemas.openxmlformats.org/presentationml/2006/main">
+  <p:cSld>
+    <p:spTree>
+      <p:nvGrpSpPr>
+        <p:cNvPr id="1" name=""/>
+        <p:cNvGrpSpPr/>
+        <p:nvPr/>
+      </p:nvGrpSpPr>
+      <p:grpSpPr>
+        <a:xfrm>
+          <a:off x="0" y="0"/>
+          <a:ext cx="0" cy="0"/>
+          <a:chOff x="0" y="0"/>
+          <a:chExt cx="0" cy="0"/>
+        </a:xfrm>
+      </p:grpSpPr>
+      <p:sp>
+        <p:nvSpPr>
+          <p:cNvPr id="6" name="Title 1">
+            <a:extLst>
+              <a:ext uri="{FF2B5EF4-FFF2-40B4-BE49-F238E27FC236}">
+                <a16:creationId xmlns:a16="http://schemas.microsoft.com/office/drawing/2014/main" id="{18203E63-612D-46AF-B2BC-2C1FF2ECE589}"/>
+              </a:ext>
+            </a:extLst>
+          </p:cNvPr>
+          <p:cNvSpPr txBox="1">
+            <a:spLocks/>
+          </p:cNvSpPr>
+          <p:nvPr/>
+        </p:nvSpPr>
+        <p:spPr>
+          <a:xfrm>
+            <a:off x="2309832" y="366863"/>
+            <a:ext cx="6582973" cy="420919"/>
+          </a:xfrm>
+          <a:prstGeom prst="rect">
+            <a:avLst/>
+          </a:prstGeom>
+        </p:spPr>
+        <p:txBody>
+          <a:bodyPr vert="horz" lIns="91440" tIns="45720" rIns="91440" bIns="45720" rtlCol="0" anchor="t">
+            <a:normAutofit fontScale="97500"/>
+          </a:bodyPr>
+          <a:lstStyle>
+            <a:lvl1pPr algn="l" defTabSz="457200" rtl="0" eaLnBrk="1" latinLnBrk="0" hangingPunct="1">
+              <a:spcBef>
+                <a:spcPct val="0"/>
+              </a:spcBef>
+              <a:buNone/>
+              <a:defRPr sz="3600" kern="1200">
+                <a:solidFill>
+                  <a:schemeClr val="tx1">
+                    <a:lumMod val="85000"/>
+                    <a:lumOff val="15000"/>
+                  </a:schemeClr>
+                </a:solidFill>
+                <a:latin typeface="+mj-lt"/>
+                <a:ea typeface="+mj-ea"/>
+                <a:cs typeface="+mj-cs"/>
+              </a:defRPr>
+            </a:lvl1pPr>
+            <a:lvl2pPr eaLnBrk="1" hangingPunct="1">
+              <a:defRPr>
+                <a:solidFill>
+                  <a:schemeClr val="tx2"/>
+                </a:solidFill>
+              </a:defRPr>
+            </a:lvl2pPr>
+            <a:lvl3pPr eaLnBrk="1" hangingPunct="1">
+              <a:defRPr>
+                <a:solidFill>
+                  <a:schemeClr val="tx2"/>
+                </a:solidFill>
+              </a:defRPr>
+            </a:lvl3pPr>
+            <a:lvl4pPr eaLnBrk="1" hangingPunct="1">
+              <a:defRPr>
+                <a:solidFill>
+                  <a:schemeClr val="tx2"/>
+                </a:solidFill>
+              </a:defRPr>
+            </a:lvl4pPr>
+            <a:lvl5pPr eaLnBrk="1" hangingPunct="1">
+              <a:defRPr>
+                <a:solidFill>
+                  <a:schemeClr val="tx2"/>
+                </a:solidFill>
+              </a:defRPr>
+            </a:lvl5pPr>
+            <a:lvl6pPr eaLnBrk="1" hangingPunct="1">
+              <a:defRPr>
+                <a:solidFill>
+                  <a:schemeClr val="tx2"/>
+                </a:solidFill>
+              </a:defRPr>
+            </a:lvl6pPr>
+            <a:lvl7pPr eaLnBrk="1" hangingPunct="1">
+              <a:defRPr>
+                <a:solidFill>
+                  <a:schemeClr val="tx2"/>
+                </a:solidFill>
+              </a:defRPr>
+            </a:lvl7pPr>
+            <a:lvl8pPr eaLnBrk="1" hangingPunct="1">
+              <a:defRPr>
+                <a:solidFill>
+                  <a:schemeClr val="tx2"/>
+                </a:solidFill>
+              </a:defRPr>
+            </a:lvl8pPr>
+            <a:lvl9pPr eaLnBrk="1" hangingPunct="1">
+              <a:defRPr>
+                <a:solidFill>
+                  <a:schemeClr val="tx2"/>
+                </a:solidFill>
+              </a:defRPr>
+            </a:lvl9pPr>
+          </a:lstStyle>
+          <a:p>
+            <a:r>
+              <a:rPr lang="es-ES" sz="1800" dirty="0">
+                <a:solidFill>
+                  <a:schemeClr val="accent3">
+                    <a:lumMod val="60000"/>
+                    <a:lumOff val="40000"/>
+                  </a:schemeClr>
+                </a:solidFill>
+                <a:effectLst/>
+                <a:latin typeface="Tahoma" panose="020B0604030504040204" pitchFamily="34" charset="0"/>
+                <a:ea typeface="Tahoma" panose="020B0604030504040204" pitchFamily="34" charset="0"/>
+              </a:rPr>
+              <a:t>Proceso</a:t>
+            </a:r>
+            <a:r>
+              <a:rPr lang="es-ES" sz="1800" spc="-20" dirty="0">
+                <a:solidFill>
+                  <a:schemeClr val="accent3">
+                    <a:lumMod val="60000"/>
+                    <a:lumOff val="40000"/>
+                  </a:schemeClr>
+                </a:solidFill>
+                <a:effectLst/>
+                <a:latin typeface="Tahoma" panose="020B0604030504040204" pitchFamily="34" charset="0"/>
+                <a:ea typeface="Tahoma" panose="020B0604030504040204" pitchFamily="34" charset="0"/>
+              </a:rPr>
+              <a:t> </a:t>
+            </a:r>
+            <a:r>
+              <a:rPr lang="es-ES" sz="1800" dirty="0">
+                <a:solidFill>
+                  <a:schemeClr val="accent3">
+                    <a:lumMod val="60000"/>
+                    <a:lumOff val="40000"/>
+                  </a:schemeClr>
+                </a:solidFill>
+                <a:effectLst/>
+                <a:latin typeface="Tahoma" panose="020B0604030504040204" pitchFamily="34" charset="0"/>
+                <a:ea typeface="Tahoma" panose="020B0604030504040204" pitchFamily="34" charset="0"/>
+              </a:rPr>
+              <a:t>implantación</a:t>
+            </a:r>
+            <a:r>
+              <a:rPr lang="es-ES" sz="1800" spc="-25" dirty="0">
+                <a:solidFill>
+                  <a:schemeClr val="accent3">
+                    <a:lumMod val="60000"/>
+                    <a:lumOff val="40000"/>
+                  </a:schemeClr>
+                </a:solidFill>
+                <a:effectLst/>
+                <a:latin typeface="Tahoma" panose="020B0604030504040204" pitchFamily="34" charset="0"/>
+                <a:ea typeface="Tahoma" panose="020B0604030504040204" pitchFamily="34" charset="0"/>
+              </a:rPr>
+              <a:t> </a:t>
+            </a:r>
+            <a:r>
+              <a:rPr lang="es-ES" sz="1800" dirty="0">
+                <a:solidFill>
+                  <a:schemeClr val="accent3">
+                    <a:lumMod val="60000"/>
+                    <a:lumOff val="40000"/>
+                  </a:schemeClr>
+                </a:solidFill>
+                <a:effectLst/>
+                <a:latin typeface="Tahoma" panose="020B0604030504040204" pitchFamily="34" charset="0"/>
+                <a:ea typeface="Tahoma" panose="020B0604030504040204" pitchFamily="34" charset="0"/>
+              </a:rPr>
+              <a:t>ISO/IEC</a:t>
+            </a:r>
+            <a:r>
+              <a:rPr lang="es-ES" sz="1800" spc="-20" dirty="0">
+                <a:solidFill>
+                  <a:schemeClr val="accent3">
+                    <a:lumMod val="60000"/>
+                    <a:lumOff val="40000"/>
+                  </a:schemeClr>
+                </a:solidFill>
+                <a:effectLst/>
+                <a:latin typeface="Tahoma" panose="020B0604030504040204" pitchFamily="34" charset="0"/>
+                <a:ea typeface="Tahoma" panose="020B0604030504040204" pitchFamily="34" charset="0"/>
+              </a:rPr>
+              <a:t> </a:t>
+            </a:r>
+            <a:r>
+              <a:rPr lang="es-ES" sz="1800" dirty="0">
+                <a:solidFill>
+                  <a:schemeClr val="accent3">
+                    <a:lumMod val="60000"/>
+                    <a:lumOff val="40000"/>
+                  </a:schemeClr>
+                </a:solidFill>
+                <a:effectLst/>
+                <a:latin typeface="Tahoma" panose="020B0604030504040204" pitchFamily="34" charset="0"/>
+                <a:ea typeface="Tahoma" panose="020B0604030504040204" pitchFamily="34" charset="0"/>
+              </a:rPr>
+              <a:t>27001:2013</a:t>
+            </a:r>
+            <a:endParaRPr lang="es-ES" dirty="0">
+              <a:solidFill>
+                <a:schemeClr val="accent3">
+                  <a:lumMod val="60000"/>
+                  <a:lumOff val="40000"/>
+                </a:schemeClr>
+              </a:solidFill>
+              <a:latin typeface="+mj-lt"/>
+            </a:endParaRPr>
+          </a:p>
+        </p:txBody>
+      </p:sp>
+      <p:sp>
+        <p:nvSpPr>
+          <p:cNvPr id="4" name="Date Placeholder 3">
+            <a:extLst>
+              <a:ext uri="{FF2B5EF4-FFF2-40B4-BE49-F238E27FC236}">
+                <a16:creationId xmlns:a16="http://schemas.microsoft.com/office/drawing/2014/main" id="{9994BA93-3287-435C-BA46-93BD5593C557}"/>
+              </a:ext>
+            </a:extLst>
+          </p:cNvPr>
+          <p:cNvSpPr>
+            <a:spLocks noGrp="1"/>
+          </p:cNvSpPr>
+          <p:nvPr>
+            <p:ph type="dt" sz="half" idx="10"/>
+          </p:nvPr>
+        </p:nvSpPr>
+        <p:spPr/>
+        <p:txBody>
+          <a:bodyPr/>
+          <a:lstStyle/>
+          <a:p>
+            <a:fld id="{81DF35F2-CCDE-4234-94E3-1868F61113A0}" type="datetime5">
+              <a:rPr lang="en-US" smtClean="0"/>
+              <a:t>21-Jan-22</a:t>
+            </a:fld>
+            <a:endParaRPr lang="en-US"/>
+          </a:p>
+        </p:txBody>
+      </p:sp>
+      <p:sp>
+        <p:nvSpPr>
+          <p:cNvPr id="2" name="Footer Placeholder 1">
+            <a:extLst>
+              <a:ext uri="{FF2B5EF4-FFF2-40B4-BE49-F238E27FC236}">
+                <a16:creationId xmlns:a16="http://schemas.microsoft.com/office/drawing/2014/main" id="{9A0EFA10-FEF8-41E7-936B-5B56EA55F6FE}"/>
+              </a:ext>
+            </a:extLst>
+          </p:cNvPr>
+          <p:cNvSpPr>
+            <a:spLocks noGrp="1"/>
+          </p:cNvSpPr>
+          <p:nvPr>
+            <p:ph type="ftr" sz="quarter" idx="11"/>
+          </p:nvPr>
+        </p:nvSpPr>
+        <p:spPr>
+          <a:xfrm>
+            <a:off x="5858116" y="6336536"/>
+            <a:ext cx="5938836" cy="309201"/>
+          </a:xfrm>
+        </p:spPr>
+        <p:txBody>
+          <a:bodyPr/>
+          <a:lstStyle/>
+          <a:p>
+            <a:r>
+              <a:rPr lang="en-US" dirty="0" err="1"/>
+              <a:t>Curso</a:t>
+            </a:r>
+            <a:r>
+              <a:rPr lang="en-US" dirty="0"/>
+              <a:t> </a:t>
+            </a:r>
+            <a:r>
+              <a:rPr lang="en-US" dirty="0" err="1"/>
+              <a:t>ciberseguridad</a:t>
+            </a:r>
+            <a:r>
+              <a:rPr lang="en-US" dirty="0"/>
+              <a:t> por José Manuel Aroca Fernández</a:t>
+            </a:r>
+          </a:p>
+        </p:txBody>
+      </p:sp>
+      <p:sp>
+        <p:nvSpPr>
+          <p:cNvPr id="3" name="Slide Number Placeholder 2">
+            <a:extLst>
+              <a:ext uri="{FF2B5EF4-FFF2-40B4-BE49-F238E27FC236}">
+                <a16:creationId xmlns:a16="http://schemas.microsoft.com/office/drawing/2014/main" id="{6AF96B14-207F-4996-BE05-EEDF1684F382}"/>
+              </a:ext>
+            </a:extLst>
+          </p:cNvPr>
+          <p:cNvSpPr>
+            <a:spLocks noGrp="1"/>
+          </p:cNvSpPr>
+          <p:nvPr>
+            <p:ph type="sldNum" sz="quarter" idx="12"/>
+          </p:nvPr>
+        </p:nvSpPr>
+        <p:spPr/>
+        <p:txBody>
+          <a:bodyPr/>
+          <a:lstStyle/>
+          <a:p>
+            <a:fld id="{8F34BD62-A3D8-4E3F-A0E8-047DDC77FB8A}" type="slidenum">
+              <a:rPr lang="en-US" smtClean="0"/>
+              <a:t>7</a:t>
+            </a:fld>
+            <a:endParaRPr lang="en-US"/>
+          </a:p>
+        </p:txBody>
+      </p:sp>
+      <p:sp>
+        <p:nvSpPr>
+          <p:cNvPr id="7" name="Rectangle 2">
+            <a:extLst>
+              <a:ext uri="{FF2B5EF4-FFF2-40B4-BE49-F238E27FC236}">
+                <a16:creationId xmlns:a16="http://schemas.microsoft.com/office/drawing/2014/main" id="{E3114E6D-66FF-492E-B616-2062B1F0A6A1}"/>
+              </a:ext>
+            </a:extLst>
+          </p:cNvPr>
+          <p:cNvSpPr>
+            <a:spLocks noChangeArrowheads="1"/>
+          </p:cNvSpPr>
+          <p:nvPr/>
+        </p:nvSpPr>
+        <p:spPr bwMode="auto">
+          <a:xfrm>
+            <a:off x="0" y="0"/>
+            <a:ext cx="12192000" cy="457200"/>
+          </a:xfrm>
+          <a:prstGeom prst="rect">
+            <a:avLst/>
+          </a:prstGeom>
+          <a:noFill/>
+          <a:ln>
+            <a:noFill/>
+          </a:ln>
+          <a:effectLst/>
+          <a:extLst>
+            <a:ext uri="{909E8E84-426E-40DD-AFC4-6F175D3DCCD1}">
+              <a14:hiddenFill xmlns:a14="http://schemas.microsoft.com/office/drawing/2010/main">
+                <a:solidFill>
+                  <a:schemeClr val="accent1"/>
+                </a:solidFill>
+              </a14:hiddenFill>
+            </a:ext>
+            <a:ext uri="{91240B29-F687-4F45-9708-019B960494DF}">
+              <a14:hiddenLine xmlns:a14="http://schemas.microsoft.com/office/drawing/2010/main" w="9525">
+                <a:solidFill>
+                  <a:schemeClr val="tx1"/>
+                </a:solidFill>
+                <a:miter lim="800000"/>
+                <a:headEnd/>
+                <a:tailEnd/>
+              </a14:hiddenLine>
+            </a:ext>
+            <a:ext uri="{AF507438-7753-43E0-B8FC-AC1667EBCBE1}">
+              <a14:hiddenEffects xmlns:a14="http://schemas.microsoft.com/office/drawing/2010/main">
+                <a:effectLst>
+                  <a:outerShdw dist="35921" dir="2700000" algn="ctr" rotWithShape="0">
+                    <a:schemeClr val="bg2"/>
+                  </a:outerShdw>
+                </a:effectLst>
+              </a14:hiddenEffects>
+            </a:ext>
+          </a:extLst>
+        </p:spPr>
+        <p:txBody>
+          <a:bodyPr vert="horz" wrap="none" lIns="91440" tIns="45720" rIns="91440" bIns="45720" numCol="1" anchor="ctr" anchorCtr="0" compatLnSpc="1">
+            <a:prstTxWarp prst="textNoShape">
+              <a:avLst/>
+            </a:prstTxWarp>
+            <a:spAutoFit/>
+          </a:bodyPr>
+          <a:lstStyle/>
+          <a:p>
+            <a:endParaRPr lang="es-ES"/>
+          </a:p>
+        </p:txBody>
+      </p:sp>
+      <p:sp>
+        <p:nvSpPr>
+          <p:cNvPr id="11" name="Rectangle 5">
+            <a:extLst>
+              <a:ext uri="{FF2B5EF4-FFF2-40B4-BE49-F238E27FC236}">
+                <a16:creationId xmlns:a16="http://schemas.microsoft.com/office/drawing/2014/main" id="{4E8A8AE5-26CC-415D-B2A8-7856F1970EAE}"/>
+              </a:ext>
+            </a:extLst>
+          </p:cNvPr>
+          <p:cNvSpPr>
+            <a:spLocks noChangeArrowheads="1"/>
+          </p:cNvSpPr>
+          <p:nvPr/>
+        </p:nvSpPr>
+        <p:spPr bwMode="auto">
+          <a:xfrm>
+            <a:off x="0" y="0"/>
+            <a:ext cx="12192000" cy="457200"/>
+          </a:xfrm>
+          <a:prstGeom prst="rect">
+            <a:avLst/>
+          </a:prstGeom>
+          <a:noFill/>
+          <a:ln>
+            <a:noFill/>
+          </a:ln>
+          <a:effectLst/>
+          <a:extLst>
+            <a:ext uri="{909E8E84-426E-40DD-AFC4-6F175D3DCCD1}">
+              <a14:hiddenFill xmlns:a14="http://schemas.microsoft.com/office/drawing/2010/main">
+                <a:solidFill>
+                  <a:schemeClr val="accent1"/>
+                </a:solidFill>
+              </a14:hiddenFill>
+            </a:ext>
+            <a:ext uri="{91240B29-F687-4F45-9708-019B960494DF}">
+              <a14:hiddenLine xmlns:a14="http://schemas.microsoft.com/office/drawing/2010/main" w="9525">
+                <a:solidFill>
+                  <a:schemeClr val="tx1"/>
+                </a:solidFill>
+                <a:miter lim="800000"/>
+                <a:headEnd/>
+                <a:tailEnd/>
+              </a14:hiddenLine>
+            </a:ext>
+            <a:ext uri="{AF507438-7753-43E0-B8FC-AC1667EBCBE1}">
+              <a14:hiddenEffects xmlns:a14="http://schemas.microsoft.com/office/drawing/2010/main">
+                <a:effectLst>
+                  <a:outerShdw dist="35921" dir="2700000" algn="ctr" rotWithShape="0">
+                    <a:schemeClr val="bg2"/>
+                  </a:outerShdw>
+                </a:effectLst>
+              </a14:hiddenEffects>
+            </a:ext>
+          </a:extLst>
+        </p:spPr>
+        <p:txBody>
+          <a:bodyPr vert="horz" wrap="none" lIns="91440" tIns="45720" rIns="91440" bIns="45720" numCol="1" anchor="ctr" anchorCtr="0" compatLnSpc="1">
+            <a:prstTxWarp prst="textNoShape">
+              <a:avLst/>
+            </a:prstTxWarp>
+            <a:spAutoFit/>
+          </a:bodyPr>
+          <a:lstStyle/>
+          <a:p>
+            <a:endParaRPr lang="es-ES"/>
+          </a:p>
+        </p:txBody>
+      </p:sp>
+      <p:sp>
+        <p:nvSpPr>
+          <p:cNvPr id="5" name="Rectangle 43">
+            <a:extLst>
+              <a:ext uri="{FF2B5EF4-FFF2-40B4-BE49-F238E27FC236}">
+                <a16:creationId xmlns:a16="http://schemas.microsoft.com/office/drawing/2014/main" id="{4724DE65-CBBB-47B0-9A6C-FB6805E436B2}"/>
+              </a:ext>
+            </a:extLst>
+          </p:cNvPr>
+          <p:cNvSpPr>
+            <a:spLocks noChangeArrowheads="1"/>
+          </p:cNvSpPr>
+          <p:nvPr/>
+        </p:nvSpPr>
+        <p:spPr bwMode="auto">
+          <a:xfrm>
+            <a:off x="1795482" y="1375502"/>
+            <a:ext cx="12192000" cy="457200"/>
+          </a:xfrm>
+          <a:prstGeom prst="rect">
+            <a:avLst/>
+          </a:prstGeom>
+          <a:noFill/>
+          <a:ln>
+            <a:noFill/>
+          </a:ln>
+          <a:effectLst/>
+          <a:extLst>
+            <a:ext uri="{909E8E84-426E-40DD-AFC4-6F175D3DCCD1}">
+              <a14:hiddenFill xmlns:a14="http://schemas.microsoft.com/office/drawing/2010/main">
+                <a:solidFill>
+                  <a:schemeClr val="accent1"/>
+                </a:solidFill>
+              </a14:hiddenFill>
+            </a:ext>
+            <a:ext uri="{91240B29-F687-4F45-9708-019B960494DF}">
+              <a14:hiddenLine xmlns:a14="http://schemas.microsoft.com/office/drawing/2010/main" w="9525">
+                <a:solidFill>
+                  <a:schemeClr val="tx1"/>
+                </a:solidFill>
+                <a:miter lim="800000"/>
+                <a:headEnd/>
+                <a:tailEnd/>
+              </a14:hiddenLine>
+            </a:ext>
+            <a:ext uri="{AF507438-7753-43E0-B8FC-AC1667EBCBE1}">
+              <a14:hiddenEffects xmlns:a14="http://schemas.microsoft.com/office/drawing/2010/main">
+                <a:effectLst>
+                  <a:outerShdw dist="35921" dir="2700000" algn="ctr" rotWithShape="0">
+                    <a:schemeClr val="bg2"/>
+                  </a:outerShdw>
+                </a:effectLst>
+              </a14:hiddenEffects>
+            </a:ext>
+          </a:extLst>
+        </p:spPr>
+        <p:txBody>
+          <a:bodyPr vert="horz" wrap="none" lIns="91440" tIns="45720" rIns="91440" bIns="45720" numCol="1" anchor="ctr" anchorCtr="0" compatLnSpc="1">
+            <a:prstTxWarp prst="textNoShape">
+              <a:avLst/>
+            </a:prstTxWarp>
+            <a:spAutoFit/>
+          </a:bodyPr>
+          <a:lstStyle/>
+          <a:p>
+            <a:endParaRPr lang="es-ES"/>
+          </a:p>
+        </p:txBody>
+      </p:sp>
+      <p:sp>
+        <p:nvSpPr>
+          <p:cNvPr id="13" name="TextBox 12">
+            <a:extLst>
+              <a:ext uri="{FF2B5EF4-FFF2-40B4-BE49-F238E27FC236}">
+                <a16:creationId xmlns:a16="http://schemas.microsoft.com/office/drawing/2014/main" id="{4B9F218D-517C-419A-B889-2C3756423CBF}"/>
+              </a:ext>
+            </a:extLst>
+          </p:cNvPr>
+          <p:cNvSpPr txBox="1"/>
+          <p:nvPr/>
+        </p:nvSpPr>
+        <p:spPr>
+          <a:xfrm>
+            <a:off x="1896583" y="737451"/>
+            <a:ext cx="6996222" cy="369332"/>
+          </a:xfrm>
+          <a:prstGeom prst="rect">
+            <a:avLst/>
+          </a:prstGeom>
+          <a:noFill/>
+        </p:spPr>
+        <p:txBody>
+          <a:bodyPr wrap="square">
+            <a:spAutoFit/>
+          </a:bodyPr>
+          <a:lstStyle/>
+          <a:p>
+            <a:pPr marL="342900" lvl="0" indent="-342900">
+              <a:buSzPts val="1200"/>
+              <a:buFont typeface="Segoe UI Symbol" panose="020B0502040204020203" pitchFamily="34" charset="0"/>
+              <a:buChar char="➢"/>
+              <a:tabLst>
+                <a:tab pos="1068070" algn="l"/>
+              </a:tabLst>
+            </a:pPr>
+            <a:r>
+              <a:rPr lang="es-ES" b="1" dirty="0">
+                <a:latin typeface="Calibri" panose="020F0502020204030204" pitchFamily="34" charset="0"/>
+                <a:ea typeface="Calibri" panose="020F0502020204030204" pitchFamily="34" charset="0"/>
+              </a:rPr>
+              <a:t>P</a:t>
+            </a:r>
+            <a:r>
+              <a:rPr lang="es-ES" sz="1800" b="1" dirty="0">
+                <a:effectLst/>
+                <a:latin typeface="Calibri" panose="020F0502020204030204" pitchFamily="34" charset="0"/>
+                <a:ea typeface="Calibri" panose="020F0502020204030204" pitchFamily="34" charset="0"/>
+              </a:rPr>
+              <a:t>lan</a:t>
+            </a:r>
+            <a:r>
+              <a:rPr lang="es-ES" sz="1800" b="1" spc="-10" dirty="0">
+                <a:effectLst/>
+                <a:latin typeface="Calibri" panose="020F0502020204030204" pitchFamily="34" charset="0"/>
+                <a:ea typeface="Calibri" panose="020F0502020204030204" pitchFamily="34" charset="0"/>
+              </a:rPr>
+              <a:t> </a:t>
+            </a:r>
+            <a:r>
+              <a:rPr lang="es-ES" sz="1800" b="1" dirty="0">
+                <a:effectLst/>
+                <a:latin typeface="Calibri" panose="020F0502020204030204" pitchFamily="34" charset="0"/>
+                <a:ea typeface="Calibri" panose="020F0502020204030204" pitchFamily="34" charset="0"/>
+              </a:rPr>
+              <a:t>director.</a:t>
+            </a:r>
+            <a:endParaRPr lang="en-US" sz="1800" b="1" u="sng" dirty="0">
+              <a:effectLst/>
+              <a:uFill>
+                <a:solidFill>
+                  <a:srgbClr val="000000"/>
+                </a:solidFill>
+              </a:uFill>
+              <a:latin typeface="Arial" panose="020B0604020202020204" pitchFamily="34" charset="0"/>
+              <a:ea typeface="Segoe UI Symbol" panose="020B0502040204020203" pitchFamily="34" charset="0"/>
+              <a:cs typeface="Segoe UI Symbol" panose="020B0502040204020203" pitchFamily="34" charset="0"/>
+            </a:endParaRPr>
+          </a:p>
+        </p:txBody>
+      </p:sp>
+      <p:sp>
+        <p:nvSpPr>
+          <p:cNvPr id="14" name="TextBox 13">
+            <a:extLst>
+              <a:ext uri="{FF2B5EF4-FFF2-40B4-BE49-F238E27FC236}">
+                <a16:creationId xmlns:a16="http://schemas.microsoft.com/office/drawing/2014/main" id="{431A4D1C-52BE-4D7D-8E66-C5C44DB996C3}"/>
+              </a:ext>
+            </a:extLst>
+          </p:cNvPr>
+          <p:cNvSpPr txBox="1"/>
+          <p:nvPr/>
+        </p:nvSpPr>
+        <p:spPr>
+          <a:xfrm>
+            <a:off x="1291078" y="1694503"/>
+            <a:ext cx="10033413" cy="646331"/>
+          </a:xfrm>
+          <a:prstGeom prst="rect">
+            <a:avLst/>
+          </a:prstGeom>
+          <a:noFill/>
+        </p:spPr>
+        <p:txBody>
+          <a:bodyPr wrap="square">
+            <a:spAutoFit/>
+          </a:bodyPr>
+          <a:lstStyle/>
+          <a:p>
+            <a:r>
+              <a:rPr lang="es-ES" dirty="0">
+                <a:hlinkClick r:id="rId2"/>
+              </a:rPr>
+              <a:t>https://www.pmg-ssi.com/2015/06/iso-27001-diferencia-entre-ciberseguridad-y-seguridad-de-la-informacion/</a:t>
+            </a:r>
+            <a:r>
+              <a:rPr lang="es-ES" dirty="0"/>
+              <a:t> </a:t>
+            </a:r>
+          </a:p>
+        </p:txBody>
+      </p:sp>
+      <p:sp>
+        <p:nvSpPr>
+          <p:cNvPr id="12" name="TextBox 11">
+            <a:extLst>
+              <a:ext uri="{FF2B5EF4-FFF2-40B4-BE49-F238E27FC236}">
+                <a16:creationId xmlns:a16="http://schemas.microsoft.com/office/drawing/2014/main" id="{5C808EF9-614E-4260-8D9A-2932D1D9EA5A}"/>
+              </a:ext>
+            </a:extLst>
+          </p:cNvPr>
+          <p:cNvSpPr txBox="1"/>
+          <p:nvPr/>
+        </p:nvSpPr>
+        <p:spPr>
+          <a:xfrm>
+            <a:off x="1291078" y="2550636"/>
+            <a:ext cx="8331223" cy="369332"/>
+          </a:xfrm>
+          <a:prstGeom prst="rect">
+            <a:avLst/>
+          </a:prstGeom>
+          <a:noFill/>
+        </p:spPr>
+        <p:txBody>
+          <a:bodyPr wrap="square">
+            <a:spAutoFit/>
+          </a:bodyPr>
+          <a:lstStyle/>
+          <a:p>
+            <a:r>
+              <a:rPr lang="es-ES" dirty="0">
+                <a:hlinkClick r:id="rId3"/>
+              </a:rPr>
+              <a:t>https://es.educaplay.com/recursos-educativos/3767-norma_iso_27001.html</a:t>
+            </a:r>
+            <a:r>
+              <a:rPr lang="es-ES" dirty="0"/>
+              <a:t> </a:t>
+            </a:r>
+          </a:p>
+        </p:txBody>
+      </p:sp>
+    </p:spTree>
+    <p:extLst>
+      <p:ext uri="{BB962C8B-B14F-4D97-AF65-F5344CB8AC3E}">
+        <p14:creationId xmlns:p14="http://schemas.microsoft.com/office/powerpoint/2010/main" val="2494397980"/>
       </p:ext>
     </p:extLst>
   </p:cSld>
